--- a/secure-coding/slides/delivery/07__REST-Endpoint-Security-OAuth2.pptx
+++ b/secure-coding/slides/delivery/07__REST-Endpoint-Security-OAuth2.pptx
@@ -1,55 +1,55 @@
 
 <file path=ppt/presentation.xml><?xml version="1.0" encoding="utf-8"?>
-<p:presentation xmlns:a="http://schemas.openxmlformats.org/drawingml/2006/main" xmlns:r="http://schemas.openxmlformats.org/officeDocument/2006/relationships" xmlns:p="http://schemas.openxmlformats.org/presentationml/2006/main" showSpecialPlsOnTitleSld="0" saveSubsetFonts="1" autoCompressPictures="0">
+<p:presentation xmlns:a="http://schemas.openxmlformats.org/drawingml/2006/main" xmlns:r="http://schemas.openxmlformats.org/officeDocument/2006/relationships" xmlns:p="http://schemas.openxmlformats.org/presentationml/2006/main" showSpecialPlsOnTitleSld="0" autoCompressPictures="0">
   <p:sldMasterIdLst>
-    <p:sldMasterId id="2147483651" r:id="rId1"/>
+    <p:sldMasterId id="2147483648" r:id="rId1"/>
   </p:sldMasterIdLst>
   <p:notesMasterIdLst>
-    <p:notesMasterId r:id="rId2"/>
+    <p:notesMasterId r:id="rId40"/>
   </p:notesMasterIdLst>
   <p:handoutMasterIdLst>
-    <p:handoutMasterId r:id="rId3"/>
+    <p:handoutMasterId r:id="rId41"/>
   </p:handoutMasterIdLst>
   <p:sldIdLst>
-    <p:sldId id="256" r:id="rId9"/>
-    <p:sldId id="257" r:id="rId10"/>
-    <p:sldId id="258" r:id="rId11"/>
-    <p:sldId id="259" r:id="rId12"/>
-    <p:sldId id="260" r:id="rId13"/>
-    <p:sldId id="261" r:id="rId14"/>
-    <p:sldId id="262" r:id="rId15"/>
-    <p:sldId id="263" r:id="rId16"/>
-    <p:sldId id="264" r:id="rId17"/>
-    <p:sldId id="265" r:id="rId18"/>
-    <p:sldId id="266" r:id="rId19"/>
-    <p:sldId id="267" r:id="rId20"/>
-    <p:sldId id="268" r:id="rId21"/>
-    <p:sldId id="269" r:id="rId22"/>
-    <p:sldId id="270" r:id="rId23"/>
-    <p:sldId id="271" r:id="rId24"/>
-    <p:sldId id="272" r:id="rId25"/>
-    <p:sldId id="273" r:id="rId26"/>
-    <p:sldId id="274" r:id="rId27"/>
-    <p:sldId id="275" r:id="rId28"/>
-    <p:sldId id="276" r:id="rId29"/>
-    <p:sldId id="277" r:id="rId30"/>
-    <p:sldId id="278" r:id="rId31"/>
-    <p:sldId id="279" r:id="rId32"/>
-    <p:sldId id="280" r:id="rId33"/>
-    <p:sldId id="281" r:id="rId34"/>
-    <p:sldId id="282" r:id="rId35"/>
-    <p:sldId id="283" r:id="rId36"/>
-    <p:sldId id="284" r:id="rId37"/>
-    <p:sldId id="285" r:id="rId38"/>
-    <p:sldId id="286" r:id="rId39"/>
-    <p:sldId id="287" r:id="rId40"/>
-    <p:sldId id="288" r:id="rId41"/>
-    <p:sldId id="289" r:id="rId42"/>
-    <p:sldId id="290" r:id="rId43"/>
-    <p:sldId id="291" r:id="rId44"/>
-    <p:sldId id="292" r:id="rId45"/>
+    <p:sldId id="256" r:id="rId3"/>
+    <p:sldId id="257" r:id="rId4"/>
+    <p:sldId id="258" r:id="rId5"/>
+    <p:sldId id="259" r:id="rId6"/>
+    <p:sldId id="260" r:id="rId7"/>
+    <p:sldId id="261" r:id="rId8"/>
+    <p:sldId id="262" r:id="rId9"/>
+    <p:sldId id="263" r:id="rId10"/>
+    <p:sldId id="264" r:id="rId11"/>
+    <p:sldId id="265" r:id="rId12"/>
+    <p:sldId id="266" r:id="rId13"/>
+    <p:sldId id="267" r:id="rId14"/>
+    <p:sldId id="268" r:id="rId15"/>
+    <p:sldId id="269" r:id="rId16"/>
+    <p:sldId id="270" r:id="rId17"/>
+    <p:sldId id="271" r:id="rId18"/>
+    <p:sldId id="272" r:id="rId19"/>
+    <p:sldId id="273" r:id="rId20"/>
+    <p:sldId id="274" r:id="rId21"/>
+    <p:sldId id="275" r:id="rId22"/>
+    <p:sldId id="276" r:id="rId23"/>
+    <p:sldId id="277" r:id="rId24"/>
+    <p:sldId id="278" r:id="rId25"/>
+    <p:sldId id="279" r:id="rId26"/>
+    <p:sldId id="280" r:id="rId27"/>
+    <p:sldId id="281" r:id="rId28"/>
+    <p:sldId id="282" r:id="rId29"/>
+    <p:sldId id="283" r:id="rId30"/>
+    <p:sldId id="284" r:id="rId31"/>
+    <p:sldId id="285" r:id="rId32"/>
+    <p:sldId id="286" r:id="rId33"/>
+    <p:sldId id="287" r:id="rId34"/>
+    <p:sldId id="288" r:id="rId35"/>
+    <p:sldId id="289" r:id="rId36"/>
+    <p:sldId id="290" r:id="rId37"/>
+    <p:sldId id="291" r:id="rId38"/>
+    <p:sldId id="292" r:id="rId39"/>
   </p:sldIdLst>
-  <p:sldSz cx="9372600" cy="8297863"/>
+  <p:sldSz cx="9372600" cy="8297545"/>
   <p:notesSz cx="7315200" cy="9601200"/>
   <p:defaultTextStyle>
     <a:defPPr>
@@ -67,8 +67,8 @@
           <a:schemeClr val="tx1"/>
         </a:solidFill>
         <a:latin typeface="Garamond" pitchFamily="18" charset="0"/>
-        <a:ea typeface="ＭＳ Ｐゴシック"/>
-        <a:cs typeface="ＭＳ Ｐゴシック"/>
+        <a:ea typeface="MS PGothic"/>
+        <a:cs typeface="MS PGothic"/>
       </a:defRPr>
     </a:lvl1pPr>
     <a:lvl2pPr marL="457200" algn="l" rtl="0" fontAlgn="base">
@@ -83,8 +83,8 @@
           <a:schemeClr val="tx1"/>
         </a:solidFill>
         <a:latin typeface="Garamond" pitchFamily="18" charset="0"/>
-        <a:ea typeface="ＭＳ Ｐゴシック"/>
-        <a:cs typeface="ＭＳ Ｐゴシック"/>
+        <a:ea typeface="MS PGothic"/>
+        <a:cs typeface="MS PGothic"/>
       </a:defRPr>
     </a:lvl2pPr>
     <a:lvl3pPr marL="914400" algn="l" rtl="0" fontAlgn="base">
@@ -99,8 +99,8 @@
           <a:schemeClr val="tx1"/>
         </a:solidFill>
         <a:latin typeface="Garamond" pitchFamily="18" charset="0"/>
-        <a:ea typeface="ＭＳ Ｐゴシック"/>
-        <a:cs typeface="ＭＳ Ｐゴシック"/>
+        <a:ea typeface="MS PGothic"/>
+        <a:cs typeface="MS PGothic"/>
       </a:defRPr>
     </a:lvl3pPr>
     <a:lvl4pPr marL="1371600" algn="l" rtl="0" fontAlgn="base">
@@ -115,8 +115,8 @@
           <a:schemeClr val="tx1"/>
         </a:solidFill>
         <a:latin typeface="Garamond" pitchFamily="18" charset="0"/>
-        <a:ea typeface="ＭＳ Ｐゴシック"/>
-        <a:cs typeface="ＭＳ Ｐゴシック"/>
+        <a:ea typeface="MS PGothic"/>
+        <a:cs typeface="MS PGothic"/>
       </a:defRPr>
     </a:lvl4pPr>
     <a:lvl5pPr marL="1828800" algn="l" rtl="0" fontAlgn="base">
@@ -131,8 +131,8 @@
           <a:schemeClr val="tx1"/>
         </a:solidFill>
         <a:latin typeface="Garamond" pitchFamily="18" charset="0"/>
-        <a:ea typeface="ＭＳ Ｐゴシック"/>
-        <a:cs typeface="ＭＳ Ｐゴシック"/>
+        <a:ea typeface="MS PGothic"/>
+        <a:cs typeface="MS PGothic"/>
       </a:defRPr>
     </a:lvl5pPr>
     <a:lvl6pPr marL="2286000" algn="l" defTabSz="914400" rtl="0" eaLnBrk="1" latinLnBrk="0" hangingPunct="1">
@@ -141,8 +141,8 @@
           <a:schemeClr val="tx1"/>
         </a:solidFill>
         <a:latin typeface="Garamond" pitchFamily="18" charset="0"/>
-        <a:ea typeface="ＭＳ Ｐゴシック"/>
-        <a:cs typeface="ＭＳ Ｐゴシック"/>
+        <a:ea typeface="MS PGothic"/>
+        <a:cs typeface="MS PGothic"/>
       </a:defRPr>
     </a:lvl6pPr>
     <a:lvl7pPr marL="2743200" algn="l" defTabSz="914400" rtl="0" eaLnBrk="1" latinLnBrk="0" hangingPunct="1">
@@ -151,8 +151,8 @@
           <a:schemeClr val="tx1"/>
         </a:solidFill>
         <a:latin typeface="Garamond" pitchFamily="18" charset="0"/>
-        <a:ea typeface="ＭＳ Ｐゴシック"/>
-        <a:cs typeface="ＭＳ Ｐゴシック"/>
+        <a:ea typeface="MS PGothic"/>
+        <a:cs typeface="MS PGothic"/>
       </a:defRPr>
     </a:lvl7pPr>
     <a:lvl8pPr marL="3200400" algn="l" defTabSz="914400" rtl="0" eaLnBrk="1" latinLnBrk="0" hangingPunct="1">
@@ -161,8 +161,8 @@
           <a:schemeClr val="tx1"/>
         </a:solidFill>
         <a:latin typeface="Garamond" pitchFamily="18" charset="0"/>
-        <a:ea typeface="ＭＳ Ｐゴシック"/>
-        <a:cs typeface="ＭＳ Ｐゴシック"/>
+        <a:ea typeface="MS PGothic"/>
+        <a:cs typeface="MS PGothic"/>
       </a:defRPr>
     </a:lvl8pPr>
     <a:lvl9pPr marL="3657600" algn="l" defTabSz="914400" rtl="0" eaLnBrk="1" latinLnBrk="0" hangingPunct="1">
@@ -171,41 +171,11 @@
           <a:schemeClr val="tx1"/>
         </a:solidFill>
         <a:latin typeface="Garamond" pitchFamily="18" charset="0"/>
-        <a:ea typeface="ＭＳ Ｐゴシック"/>
-        <a:cs typeface="ＭＳ Ｐゴシック"/>
+        <a:ea typeface="MS PGothic"/>
+        <a:cs typeface="MS PGothic"/>
       </a:defRPr>
     </a:lvl9pPr>
   </p:defaultTextStyle>
-  <p:extLst>
-    <p:ext uri="{EFAFB233-063F-42B5-8137-9DF3F51BA10A}">
-      <p15:sldGuideLst xmlns:p15="http://schemas.microsoft.com/office/powerpoint/2012/main">
-        <p15:guide id="1" orient="horz" pos="2614" userDrawn="1">
-          <p15:clr>
-            <a:srgbClr val="A4A3A4"/>
-          </p15:clr>
-        </p15:guide>
-        <p15:guide id="2" pos="2952" userDrawn="1">
-          <p15:clr>
-            <a:srgbClr val="A4A3A4"/>
-          </p15:clr>
-        </p15:guide>
-      </p15:sldGuideLst>
-    </p:ext>
-    <p:ext uri="{2D200454-40CA-4A62-9FC3-DE9A4176ACB9}">
-      <p15:notesGuideLst xmlns:p15="http://schemas.microsoft.com/office/powerpoint/2012/main">
-        <p15:guide id="1" orient="horz" pos="3024">
-          <p15:clr>
-            <a:srgbClr val="A4A3A4"/>
-          </p15:clr>
-        </p15:guide>
-        <p15:guide id="2" pos="2308">
-          <p15:clr>
-            <a:srgbClr val="A4A3A4"/>
-          </p15:clr>
-        </p15:guide>
-      </p15:notesGuideLst>
-    </p:ext>
-  </p:extLst>
 </p:presentation>
 </file>
 
@@ -215,9 +185,7 @@
   <p:cmAuthor id="2" name="Mark Kerzner" initials="MK" lastIdx="6" clrIdx="1"/>
   <p:cmAuthor id="3" name="Mary Beth Conlee" initials="MBC" lastIdx="7" clrIdx="2"/>
   <p:cmAuthor id="4" name="Michelle" initials="M" lastIdx="5" clrIdx="3"/>
-  <p:cmAuthor id="5" name="Tricia Murphy" initials="TM" lastIdx="4" clrIdx="4">
-    <p:extLst/>
-  </p:cmAuthor>
+  <p:cmAuthor id="5" name="Tricia Murphy" initials="TM" lastIdx="4" clrIdx="4"/>
 </p:cmAuthorLst>
 </file>
 
@@ -268,20 +236,14 @@
           <a:ln w="9525">
             <a:noFill/>
             <a:miter lim="800000"/>
-            <a:headEnd/>
-            <a:tailEnd/>
           </a:ln>
         </p:spPr>
         <p:txBody>
-          <a:bodyPr vert="horz" wrap="square" lIns="96603" tIns="48303" rIns="96603" bIns="48303" numCol="1" anchor="b" anchorCtr="0" compatLnSpc="1">
-            <a:prstTxWarp prst="textNoShape">
-              <a:avLst/>
-            </a:prstTxWarp>
-          </a:bodyPr>
+          <a:bodyPr vert="horz" wrap="square" lIns="96603" tIns="48303" rIns="96603" bIns="48303" numCol="1" anchor="b" anchorCtr="0" compatLnSpc="1"/>
           <a:lstStyle>
             <a:lvl1pPr defTabSz="965200">
               <a:defRPr sz="1200">
-                <a:latin typeface="Times New Roman" pitchFamily="18" charset="0"/>
+                <a:latin typeface="Times New Roman" panose="02020603050405020304" pitchFamily="-110" charset="0"/>
               </a:defRPr>
             </a:lvl1pPr>
           </a:lstStyle>
@@ -293,6 +255,7 @@
               <a:rPr lang="en-US" dirty="0"/>
               <a:t>Copyright © 2017 Elephant Scale. All rights reserved.</a:t>
             </a:r>
+            <a:endParaRPr lang="en-US" dirty="0"/>
           </a:p>
         </p:txBody>
       </p:sp>
@@ -318,20 +281,14 @@
           <a:ln w="9525">
             <a:noFill/>
             <a:miter lim="800000"/>
-            <a:headEnd/>
-            <a:tailEnd/>
           </a:ln>
         </p:spPr>
         <p:txBody>
-          <a:bodyPr vert="horz" wrap="square" lIns="96603" tIns="48303" rIns="96603" bIns="48303" numCol="1" anchor="b" anchorCtr="0" compatLnSpc="1">
-            <a:prstTxWarp prst="textNoShape">
-              <a:avLst/>
-            </a:prstTxWarp>
-          </a:bodyPr>
+          <a:bodyPr vert="horz" wrap="square" lIns="96603" tIns="48303" rIns="96603" bIns="48303" numCol="1" anchor="b" anchorCtr="0" compatLnSpc="1"/>
           <a:lstStyle>
             <a:lvl1pPr algn="r" defTabSz="965200">
               <a:defRPr sz="1200">
-                <a:latin typeface="Times New Roman" pitchFamily="18" charset="0"/>
+                <a:latin typeface="Times New Roman" panose="02020603050405020304" pitchFamily="-110" charset="0"/>
               </a:defRPr>
             </a:lvl1pPr>
           </a:lstStyle>
@@ -341,21 +298,12 @@
             </a:pPr>
             <a:fld id="{97E62689-8C7D-4291-A094-4E689FEC4C3B}" type="slidenum">
               <a:rPr lang="en-US"/>
-              <a:pPr>
-                <a:defRPr/>
-              </a:pPr>
-              <a:t>‹#›</a:t>
             </a:fld>
             <a:endParaRPr lang="en-US" dirty="0"/>
           </a:p>
         </p:txBody>
       </p:sp>
     </p:spTree>
-    <p:extLst>
-      <p:ext uri="{BB962C8B-B14F-4D97-AF65-F5344CB8AC3E}">
-        <p14:creationId xmlns:p14="http://schemas.microsoft.com/office/powerpoint/2010/main" val="3239291525"/>
-      </p:ext>
-    </p:extLst>
   </p:cSld>
   <p:clrMap bg1="lt1" tx1="dk1" bg2="lt2" tx2="dk2" accent1="accent1" accent2="accent2" accent3="accent3" accent4="accent4" accent5="accent5" accent6="accent6" hlink="hlink" folHlink="folHlink"/>
   <p:hf hdr="0" ftr="0" dt="0"/>
@@ -411,8 +359,6 @@
               <a:srgbClr val="000000"/>
             </a:solidFill>
             <a:miter lim="800000"/>
-            <a:headEnd/>
-            <a:tailEnd/>
           </a:ln>
         </p:spPr>
       </p:sp>
@@ -438,21 +384,15 @@
           <a:ln w="9525">
             <a:noFill/>
             <a:miter lim="800000"/>
-            <a:headEnd/>
-            <a:tailEnd/>
           </a:ln>
           <a:effectLst/>
         </p:spPr>
         <p:txBody>
-          <a:bodyPr vert="horz" wrap="square" lIns="0" tIns="0" rIns="0" bIns="0" numCol="1" anchor="b" anchorCtr="1" compatLnSpc="1">
-            <a:prstTxWarp prst="textNoShape">
-              <a:avLst/>
-            </a:prstTxWarp>
-          </a:bodyPr>
+          <a:bodyPr vert="horz" wrap="square" lIns="0" tIns="0" rIns="0" bIns="0" numCol="1" anchor="b" anchorCtr="1" compatLnSpc="1"/>
           <a:lstStyle>
             <a:lvl1pPr algn="ctr" defTabSz="965200" eaLnBrk="0" hangingPunct="0">
               <a:defRPr sz="900">
-                <a:latin typeface="Arial" charset="0"/>
+                <a:latin typeface="Arial" panose="020B0604020202020204" pitchFamily="34" charset="0"/>
               </a:defRPr>
             </a:lvl1pPr>
           </a:lstStyle>
@@ -464,6 +404,7 @@
               <a:rPr lang="en-US" dirty="0"/>
               <a:t>Copyright © 2017 Elephant Scale. All rights reserved.</a:t>
             </a:r>
+            <a:endParaRPr lang="en-US" dirty="0"/>
           </a:p>
         </p:txBody>
       </p:sp>
@@ -489,21 +430,15 @@
           <a:ln w="9525">
             <a:noFill/>
             <a:miter lim="800000"/>
-            <a:headEnd/>
-            <a:tailEnd/>
           </a:ln>
           <a:effectLst/>
         </p:spPr>
         <p:txBody>
-          <a:bodyPr vert="horz" wrap="square" lIns="0" tIns="0" rIns="0" bIns="0" numCol="1" anchor="b" anchorCtr="0" compatLnSpc="1">
-            <a:prstTxWarp prst="textNoShape">
-              <a:avLst/>
-            </a:prstTxWarp>
-          </a:bodyPr>
+          <a:bodyPr vert="horz" wrap="square" lIns="0" tIns="0" rIns="0" bIns="0" numCol="1" anchor="b" anchorCtr="0" compatLnSpc="1"/>
           <a:lstStyle>
             <a:lvl1pPr algn="r" defTabSz="965200" eaLnBrk="0" hangingPunct="0">
               <a:defRPr b="1">
-                <a:latin typeface="Arial" charset="0"/>
+                <a:latin typeface="Arial" panose="020B0604020202020204" pitchFamily="34" charset="0"/>
               </a:defRPr>
             </a:lvl1pPr>
           </a:lstStyle>
@@ -513,10 +448,6 @@
             </a:pPr>
             <a:fld id="{EFAADD5D-AF76-45EE-AA5F-6DAC73BF167A}" type="slidenum">
               <a:rPr lang="en-US"/>
-              <a:pPr>
-                <a:defRPr/>
-              </a:pPr>
-              <a:t>‹#›</a:t>
             </a:fld>
             <a:endParaRPr lang="en-US" dirty="0"/>
           </a:p>
@@ -542,24 +473,26 @@
           <a:ln w="9525">
             <a:noFill/>
             <a:miter lim="800000"/>
-            <a:headEnd/>
-            <a:tailEnd/>
           </a:ln>
         </p:spPr>
         <p:txBody>
           <a:bodyPr wrap="none" lIns="96386" tIns="48194" rIns="96386" bIns="48194"/>
           <a:lstStyle/>
           <a:p>
-            <a:pPr defTabSz="960438">
+            <a:pPr defTabSz="960755">
               <a:defRPr/>
             </a:pPr>
             <a:r>
               <a:rPr lang="en-US" sz="1200" b="1" u="sng" dirty="0">
-                <a:latin typeface="Times New Roman" pitchFamily="18" charset="0"/>
-                <a:cs typeface="Times New Roman" pitchFamily="18" charset="0"/>
+                <a:latin typeface="Times New Roman" panose="02020603050405020304" pitchFamily="-110" charset="0"/>
+                <a:cs typeface="Times New Roman" panose="02020603050405020304" pitchFamily="-110" charset="0"/>
               </a:rPr>
               <a:t>Notes:</a:t>
             </a:r>
+            <a:endParaRPr lang="en-US" sz="1200" b="1" u="sng" dirty="0">
+              <a:latin typeface="Times New Roman" panose="02020603050405020304" pitchFamily="-110" charset="0"/>
+              <a:cs typeface="Times New Roman" panose="02020603050405020304" pitchFamily="-110" charset="0"/>
+            </a:endParaRPr>
           </a:p>
         </p:txBody>
       </p:sp>
@@ -585,16 +518,10 @@
           <a:ln w="9525">
             <a:noFill/>
             <a:miter lim="800000"/>
-            <a:headEnd/>
-            <a:tailEnd/>
           </a:ln>
         </p:spPr>
         <p:txBody>
-          <a:bodyPr vert="horz" wrap="square" lIns="91537" tIns="45768" rIns="91537" bIns="45768" numCol="1" anchor="t" anchorCtr="0" compatLnSpc="1">
-            <a:prstTxWarp prst="textNoShape">
-              <a:avLst/>
-            </a:prstTxWarp>
-          </a:bodyPr>
+          <a:bodyPr vert="horz" wrap="square" lIns="91537" tIns="45768" rIns="91537" bIns="45768" numCol="1" anchor="t" anchorCtr="0" compatLnSpc="1"/>
           <a:lstStyle/>
           <a:p>
             <a:pPr lvl="0"/>
@@ -624,8 +551,6 @@
               <a:srgbClr val="000000"/>
             </a:solidFill>
             <a:round/>
-            <a:headEnd/>
-            <a:tailEnd/>
           </a:ln>
           <a:effectLst/>
         </p:spPr>
@@ -640,7 +565,7 @@
               <a:defRPr/>
             </a:pPr>
             <a:endParaRPr lang="en-US" dirty="0">
-              <a:latin typeface="Garamond" pitchFamily="-110" charset="0"/>
+              <a:latin typeface="Garamond" pitchFamily="18" charset="0"/>
               <a:ea typeface="+mn-ea"/>
               <a:cs typeface="+mn-cs"/>
             </a:endParaRPr>
@@ -648,11 +573,6 @@
         </p:txBody>
       </p:sp>
     </p:spTree>
-    <p:extLst>
-      <p:ext uri="{BB962C8B-B14F-4D97-AF65-F5344CB8AC3E}">
-        <p14:creationId xmlns:p14="http://schemas.microsoft.com/office/powerpoint/2010/main" val="953744030"/>
-      </p:ext>
-    </p:extLst>
   </p:cSld>
   <p:clrMap bg1="lt1" tx1="dk1" bg2="lt2" tx2="dk2" accent1="accent1" accent2="accent2" accent3="accent3" accent4="accent4" accent5="accent5" accent6="accent6" hlink="hlink" folHlink="folHlink"/>
   <p:hf dt="0"/>
@@ -665,15 +585,15 @@
         <a:spcPct val="0"/>
       </a:spcAft>
       <a:buSzPct val="65000"/>
-      <a:buFont typeface="Wingdings" pitchFamily="2" charset="2"/>
+      <a:buFont typeface="Wingdings" panose="05000000000000000000" pitchFamily="2" charset="2"/>
       <a:buNone/>
       <a:defRPr sz="1200" kern="1200">
         <a:solidFill>
           <a:schemeClr val="tx1"/>
         </a:solidFill>
-        <a:latin typeface="Times New Roman" pitchFamily="-110" charset="0"/>
-        <a:ea typeface="ＭＳ Ｐゴシック" pitchFamily="-110" charset="-128"/>
-        <a:cs typeface="ＭＳ Ｐゴシック" pitchFamily="-110" charset="-128"/>
+        <a:latin typeface="Times New Roman" panose="02020603050405020304" pitchFamily="-110" charset="0"/>
+        <a:ea typeface="MS PGothic" pitchFamily="-110" charset="-128"/>
+        <a:cs typeface="MS PGothic" pitchFamily="-110" charset="-128"/>
       </a:defRPr>
     </a:lvl1pPr>
     <a:lvl2pPr marL="282575" indent="0" algn="l" rtl="0" eaLnBrk="0" fontAlgn="base" hangingPunct="0">
@@ -688,12 +608,12 @@
         <a:solidFill>
           <a:schemeClr val="tx1"/>
         </a:solidFill>
-        <a:latin typeface="Times New Roman" pitchFamily="-110" charset="0"/>
-        <a:ea typeface="ＭＳ Ｐゴシック" pitchFamily="-110" charset="-128"/>
-        <a:cs typeface="ＭＳ Ｐゴシック"/>
+        <a:latin typeface="Times New Roman" panose="02020603050405020304" pitchFamily="-110" charset="0"/>
+        <a:ea typeface="MS PGothic" pitchFamily="-110" charset="-128"/>
+        <a:cs typeface="MS PGothic"/>
       </a:defRPr>
     </a:lvl2pPr>
-    <a:lvl3pPr marL="744538" indent="-173038" algn="l" rtl="0" eaLnBrk="0" fontAlgn="base" hangingPunct="0">
+    <a:lvl3pPr marL="744855" indent="-173355" algn="l" rtl="0" eaLnBrk="0" fontAlgn="base" hangingPunct="0">
       <a:spcBef>
         <a:spcPct val="30000"/>
       </a:spcBef>
@@ -705,9 +625,9 @@
         <a:solidFill>
           <a:schemeClr val="tx1"/>
         </a:solidFill>
-        <a:latin typeface="Times New Roman" pitchFamily="-110" charset="0"/>
-        <a:ea typeface="ＭＳ Ｐゴシック" pitchFamily="-110" charset="-128"/>
-        <a:cs typeface="ＭＳ Ｐゴシック"/>
+        <a:latin typeface="Times New Roman" panose="02020603050405020304" pitchFamily="-110" charset="0"/>
+        <a:ea typeface="MS PGothic" pitchFamily="-110" charset="-128"/>
+        <a:cs typeface="MS PGothic"/>
       </a:defRPr>
     </a:lvl3pPr>
     <a:lvl4pPr marL="1600200" indent="-228600" algn="l" rtl="0" eaLnBrk="0" fontAlgn="base" hangingPunct="0">
@@ -721,9 +641,9 @@
         <a:solidFill>
           <a:schemeClr val="tx1"/>
         </a:solidFill>
-        <a:latin typeface="Times New Roman" pitchFamily="-110" charset="0"/>
-        <a:ea typeface="ＭＳ Ｐゴシック" pitchFamily="-110" charset="-128"/>
-        <a:cs typeface="ＭＳ Ｐゴシック"/>
+        <a:latin typeface="Times New Roman" panose="02020603050405020304" pitchFamily="-110" charset="0"/>
+        <a:ea typeface="MS PGothic" pitchFamily="-110" charset="-128"/>
+        <a:cs typeface="MS PGothic"/>
       </a:defRPr>
     </a:lvl4pPr>
     <a:lvl5pPr marL="2057400" indent="-228600" algn="l" rtl="0" eaLnBrk="0" fontAlgn="base" hangingPunct="0">
@@ -737,9 +657,9 @@
         <a:solidFill>
           <a:schemeClr val="tx1"/>
         </a:solidFill>
-        <a:latin typeface="Times New Roman" pitchFamily="-110" charset="0"/>
-        <a:ea typeface="ＭＳ Ｐゴシック" pitchFamily="-110" charset="-128"/>
-        <a:cs typeface="ＭＳ Ｐゴシック"/>
+        <a:latin typeface="Times New Roman" panose="02020603050405020304" pitchFamily="-110" charset="0"/>
+        <a:ea typeface="MS PGothic" pitchFamily="-110" charset="-128"/>
+        <a:cs typeface="MS PGothic"/>
       </a:defRPr>
     </a:lvl5pPr>
     <a:lvl6pPr marL="2286000" algn="l" defTabSz="457200" rtl="0" eaLnBrk="1" latinLnBrk="0" hangingPunct="1">
@@ -787,7 +707,7 @@
 </file>
 
 <file path=ppt/slideLayouts/slideLayout1.xml><?xml version="1.0" encoding="utf-8"?>
-<p:sldLayout xmlns:a="http://schemas.openxmlformats.org/drawingml/2006/main" xmlns:r="http://schemas.openxmlformats.org/officeDocument/2006/relationships" xmlns:p="http://schemas.openxmlformats.org/presentationml/2006/main" showMasterSp="0" type="title" preserve="1">
+<p:sldLayout xmlns:a="http://schemas.openxmlformats.org/drawingml/2006/main" xmlns:r="http://schemas.openxmlformats.org/officeDocument/2006/relationships" xmlns:p="http://schemas.openxmlformats.org/presentationml/2006/main" type="title" preserve="1" showMasterSp="0">
   <p:cSld name="Title Slide">
     <p:bg>
       <p:bgPr>
@@ -822,7 +742,9 @@
         <p:blipFill rotWithShape="1">
           <a:blip r:embed="rId2"/>
           <a:srcRect t="19473"/>
-          <a:stretch/>
+          <a:stretch>
+            <a:fillRect/>
+          </a:stretch>
         </p:blipFill>
         <p:spPr bwMode="auto">
           <a:xfrm>
@@ -873,6 +795,7 @@
               <a:rPr lang="en-US"/>
               <a:t>Click to edit Master subtitle style</a:t>
             </a:r>
+            <a:endParaRPr lang="en-US"/>
           </a:p>
         </p:txBody>
       </p:sp>
@@ -904,6 +827,7 @@
               <a:rPr lang="en-US"/>
               <a:t>Click to edit Master title style</a:t>
             </a:r>
+            <a:endParaRPr lang="en-US"/>
           </a:p>
         </p:txBody>
       </p:sp>
@@ -953,6 +877,7 @@
               <a:rPr lang="en-US" dirty="0"/>
               <a:t>Click to edit Master title style</a:t>
             </a:r>
+            <a:endParaRPr lang="en-US" dirty="0"/>
           </a:p>
         </p:txBody>
       </p:sp>
@@ -976,6 +901,7 @@
               <a:rPr lang="en-US" dirty="0"/>
               <a:t>Click to edit Master text styles</a:t>
             </a:r>
+            <a:endParaRPr lang="en-US" dirty="0"/>
           </a:p>
           <a:p>
             <a:pPr lvl="1"/>
@@ -983,6 +909,7 @@
               <a:rPr lang="en-US" dirty="0"/>
               <a:t>Second level</a:t>
             </a:r>
+            <a:endParaRPr lang="en-US" dirty="0"/>
           </a:p>
           <a:p>
             <a:pPr lvl="2"/>
@@ -990,6 +917,7 @@
               <a:rPr lang="en-US" dirty="0"/>
               <a:t>Third level</a:t>
             </a:r>
+            <a:endParaRPr lang="en-US" dirty="0"/>
           </a:p>
           <a:p>
             <a:pPr lvl="3"/>
@@ -997,6 +925,7 @@
               <a:rPr lang="en-US" dirty="0"/>
               <a:t>Fourth level</a:t>
             </a:r>
+            <a:endParaRPr lang="en-US" dirty="0"/>
           </a:p>
           <a:p>
             <a:pPr lvl="4"/>
@@ -1004,6 +933,7 @@
               <a:rPr lang="en-US" dirty="0"/>
               <a:t>Fifth level</a:t>
             </a:r>
+            <a:endParaRPr lang="en-US" dirty="0"/>
           </a:p>
         </p:txBody>
       </p:sp>
@@ -1029,6 +959,7 @@
               <a:rPr lang="en-US" dirty="0"/>
               <a:t>Copyright © 2017 Elephant Scale. All rights reserved.</a:t>
             </a:r>
+            <a:endParaRPr lang="en-US" dirty="0"/>
           </a:p>
         </p:txBody>
       </p:sp>
@@ -1052,10 +983,6 @@
             </a:pPr>
             <a:fld id="{77EF9825-4C23-4085-A4E3-B5565466BD91}" type="slidenum">
               <a:rPr lang="en-US" smtClean="0"/>
-              <a:pPr>
-                <a:defRPr/>
-              </a:pPr>
-              <a:t>‹#›</a:t>
             </a:fld>
             <a:endParaRPr lang="en-US" dirty="0"/>
           </a:p>
@@ -1110,6 +1037,7 @@
               <a:rPr lang="en-US"/>
               <a:t>Click to edit Master title style</a:t>
             </a:r>
+            <a:endParaRPr lang="en-US"/>
           </a:p>
         </p:txBody>
       </p:sp>
@@ -1138,6 +1066,7 @@
               <a:rPr lang="en-US"/>
               <a:t>Click to edit Master text styles</a:t>
             </a:r>
+            <a:endParaRPr lang="en-US"/>
           </a:p>
           <a:p>
             <a:pPr lvl="1"/>
@@ -1145,6 +1074,7 @@
               <a:rPr lang="en-US"/>
               <a:t>Second level</a:t>
             </a:r>
+            <a:endParaRPr lang="en-US"/>
           </a:p>
           <a:p>
             <a:pPr lvl="2"/>
@@ -1152,6 +1082,7 @@
               <a:rPr lang="en-US"/>
               <a:t>Third level</a:t>
             </a:r>
+            <a:endParaRPr lang="en-US"/>
           </a:p>
           <a:p>
             <a:pPr lvl="3"/>
@@ -1159,6 +1090,7 @@
               <a:rPr lang="en-US"/>
               <a:t>Fourth level</a:t>
             </a:r>
+            <a:endParaRPr lang="en-US"/>
           </a:p>
           <a:p>
             <a:pPr lvl="4"/>
@@ -1166,6 +1098,7 @@
               <a:rPr lang="en-US"/>
               <a:t>Fifth level</a:t>
             </a:r>
+            <a:endParaRPr lang="en-US"/>
           </a:p>
         </p:txBody>
       </p:sp>
@@ -1194,6 +1127,7 @@
               <a:rPr lang="en-US"/>
               <a:t>Click to edit Master text styles</a:t>
             </a:r>
+            <a:endParaRPr lang="en-US"/>
           </a:p>
           <a:p>
             <a:pPr lvl="1"/>
@@ -1201,6 +1135,7 @@
               <a:rPr lang="en-US"/>
               <a:t>Second level</a:t>
             </a:r>
+            <a:endParaRPr lang="en-US"/>
           </a:p>
           <a:p>
             <a:pPr lvl="2"/>
@@ -1208,6 +1143,7 @@
               <a:rPr lang="en-US"/>
               <a:t>Third level</a:t>
             </a:r>
+            <a:endParaRPr lang="en-US"/>
           </a:p>
           <a:p>
             <a:pPr lvl="3"/>
@@ -1215,6 +1151,7 @@
               <a:rPr lang="en-US"/>
               <a:t>Fourth level</a:t>
             </a:r>
+            <a:endParaRPr lang="en-US"/>
           </a:p>
           <a:p>
             <a:pPr lvl="4"/>
@@ -1222,6 +1159,7 @@
               <a:rPr lang="en-US"/>
               <a:t>Fifth level</a:t>
             </a:r>
+            <a:endParaRPr lang="en-US"/>
           </a:p>
         </p:txBody>
       </p:sp>
@@ -1250,6 +1188,7 @@
               <a:rPr lang="en-US"/>
               <a:t>Click to edit Master text styles</a:t>
             </a:r>
+            <a:endParaRPr lang="en-US"/>
           </a:p>
           <a:p>
             <a:pPr lvl="1"/>
@@ -1257,6 +1196,7 @@
               <a:rPr lang="en-US"/>
               <a:t>Second level</a:t>
             </a:r>
+            <a:endParaRPr lang="en-US"/>
           </a:p>
           <a:p>
             <a:pPr lvl="2"/>
@@ -1264,6 +1204,7 @@
               <a:rPr lang="en-US"/>
               <a:t>Third level</a:t>
             </a:r>
+            <a:endParaRPr lang="en-US"/>
           </a:p>
           <a:p>
             <a:pPr lvl="3"/>
@@ -1271,6 +1212,7 @@
               <a:rPr lang="en-US"/>
               <a:t>Fourth level</a:t>
             </a:r>
+            <a:endParaRPr lang="en-US"/>
           </a:p>
           <a:p>
             <a:pPr lvl="4"/>
@@ -1278,6 +1220,7 @@
               <a:rPr lang="en-US"/>
               <a:t>Fifth level</a:t>
             </a:r>
+            <a:endParaRPr lang="en-US"/>
           </a:p>
         </p:txBody>
       </p:sp>
@@ -1291,9 +1234,7 @@
             <p:ph type="sldNum" sz="quarter" idx="11"/>
           </p:nvPr>
         </p:nvSpPr>
-        <p:spPr>
-          <a:ln/>
-        </p:spPr>
+        <p:spPr/>
         <p:txBody>
           <a:bodyPr/>
           <a:lstStyle>
@@ -1307,10 +1248,6 @@
             </a:pPr>
             <a:fld id="{040E4B02-67B9-4228-B08B-2561CEE6B946}" type="slidenum">
               <a:rPr lang="en-US"/>
-              <a:pPr>
-                <a:defRPr/>
-              </a:pPr>
-              <a:t>‹#›</a:t>
             </a:fld>
             <a:endParaRPr lang="en-US" dirty="0"/>
           </a:p>
@@ -1326,9 +1263,7 @@
             <p:ph type="ftr" sz="quarter" idx="12"/>
           </p:nvPr>
         </p:nvSpPr>
-        <p:spPr>
-          <a:ln/>
-        </p:spPr>
+        <p:spPr/>
         <p:txBody>
           <a:bodyPr/>
           <a:lstStyle>
@@ -1344,6 +1279,7 @@
               <a:rPr lang="en-US" dirty="0"/>
               <a:t>Copyright © 2017 Elephant Scale. All rights reserved.</a:t>
             </a:r>
+            <a:endParaRPr lang="en-US" dirty="0"/>
           </a:p>
         </p:txBody>
       </p:sp>
@@ -1396,6 +1332,7 @@
               <a:rPr lang="en-US"/>
               <a:t>Click to edit Master title style</a:t>
             </a:r>
+            <a:endParaRPr lang="en-US"/>
           </a:p>
         </p:txBody>
       </p:sp>
@@ -1424,6 +1361,7 @@
               <a:rPr lang="en-US"/>
               <a:t>Click to edit Master text styles</a:t>
             </a:r>
+            <a:endParaRPr lang="en-US"/>
           </a:p>
           <a:p>
             <a:pPr lvl="1"/>
@@ -1431,6 +1369,7 @@
               <a:rPr lang="en-US"/>
               <a:t>Second level</a:t>
             </a:r>
+            <a:endParaRPr lang="en-US"/>
           </a:p>
           <a:p>
             <a:pPr lvl="2"/>
@@ -1438,6 +1377,7 @@
               <a:rPr lang="en-US"/>
               <a:t>Third level</a:t>
             </a:r>
+            <a:endParaRPr lang="en-US"/>
           </a:p>
           <a:p>
             <a:pPr lvl="3"/>
@@ -1445,6 +1385,7 @@
               <a:rPr lang="en-US"/>
               <a:t>Fourth level</a:t>
             </a:r>
+            <a:endParaRPr lang="en-US"/>
           </a:p>
           <a:p>
             <a:pPr lvl="4"/>
@@ -1452,6 +1393,7 @@
               <a:rPr lang="en-US"/>
               <a:t>Fifth level</a:t>
             </a:r>
+            <a:endParaRPr lang="en-US"/>
           </a:p>
         </p:txBody>
       </p:sp>
@@ -1480,6 +1422,7 @@
               <a:rPr lang="en-US"/>
               <a:t>Click to edit Master text styles</a:t>
             </a:r>
+            <a:endParaRPr lang="en-US"/>
           </a:p>
           <a:p>
             <a:pPr lvl="1"/>
@@ -1487,6 +1430,7 @@
               <a:rPr lang="en-US"/>
               <a:t>Second level</a:t>
             </a:r>
+            <a:endParaRPr lang="en-US"/>
           </a:p>
           <a:p>
             <a:pPr lvl="2"/>
@@ -1494,6 +1438,7 @@
               <a:rPr lang="en-US"/>
               <a:t>Third level</a:t>
             </a:r>
+            <a:endParaRPr lang="en-US"/>
           </a:p>
           <a:p>
             <a:pPr lvl="3"/>
@@ -1501,6 +1446,7 @@
               <a:rPr lang="en-US"/>
               <a:t>Fourth level</a:t>
             </a:r>
+            <a:endParaRPr lang="en-US"/>
           </a:p>
           <a:p>
             <a:pPr lvl="4"/>
@@ -1508,6 +1454,7 @@
               <a:rPr lang="en-US"/>
               <a:t>Fifth level</a:t>
             </a:r>
+            <a:endParaRPr lang="en-US"/>
           </a:p>
         </p:txBody>
       </p:sp>
@@ -1521,9 +1468,7 @@
             <p:ph type="sldNum" sz="quarter" idx="11"/>
           </p:nvPr>
         </p:nvSpPr>
-        <p:spPr>
-          <a:ln/>
-        </p:spPr>
+        <p:spPr/>
         <p:txBody>
           <a:bodyPr/>
           <a:lstStyle>
@@ -1537,10 +1482,6 @@
             </a:pPr>
             <a:fld id="{A86CC632-9864-46F1-8EAB-FCD3BB9CEC9A}" type="slidenum">
               <a:rPr lang="en-US"/>
-              <a:pPr>
-                <a:defRPr/>
-              </a:pPr>
-              <a:t>‹#›</a:t>
             </a:fld>
             <a:endParaRPr lang="en-US" dirty="0"/>
           </a:p>
@@ -1556,9 +1497,7 @@
             <p:ph type="ftr" sz="quarter" idx="12"/>
           </p:nvPr>
         </p:nvSpPr>
-        <p:spPr>
-          <a:ln/>
-        </p:spPr>
+        <p:spPr/>
         <p:txBody>
           <a:bodyPr/>
           <a:lstStyle>
@@ -1574,6 +1513,7 @@
               <a:rPr lang="en-US" dirty="0"/>
               <a:t>Copyright © 2017 Elephant Scale. All rights reserved.</a:t>
             </a:r>
+            <a:endParaRPr lang="en-US" dirty="0"/>
           </a:p>
         </p:txBody>
       </p:sp>
@@ -1632,15 +1572,10 @@
           <a:ln w="9525">
             <a:noFill/>
             <a:miter lim="800000"/>
-            <a:headEnd/>
-            <a:tailEnd/>
           </a:ln>
         </p:spPr>
         <p:txBody>
           <a:bodyPr vert="horz" wrap="square" lIns="92007" tIns="46005" rIns="92007" bIns="46005" numCol="1" anchor="t" anchorCtr="0" compatLnSpc="1">
-            <a:prstTxWarp prst="textNoShape">
-              <a:avLst/>
-            </a:prstTxWarp>
             <a:normAutofit/>
           </a:bodyPr>
           <a:lstStyle/>
@@ -1650,6 +1585,7 @@
               <a:rPr lang="en-US" dirty="0"/>
               <a:t>Click to edit Master text styles</a:t>
             </a:r>
+            <a:endParaRPr lang="en-US" dirty="0"/>
           </a:p>
           <a:p>
             <a:pPr lvl="1"/>
@@ -1657,6 +1593,7 @@
               <a:rPr lang="en-US" dirty="0"/>
               <a:t>Second level</a:t>
             </a:r>
+            <a:endParaRPr lang="en-US" dirty="0"/>
           </a:p>
           <a:p>
             <a:pPr lvl="2"/>
@@ -1664,6 +1601,7 @@
               <a:rPr lang="en-US" dirty="0"/>
               <a:t>Third level</a:t>
             </a:r>
+            <a:endParaRPr lang="en-US" dirty="0"/>
           </a:p>
           <a:p>
             <a:pPr lvl="3"/>
@@ -1671,6 +1609,7 @@
               <a:rPr lang="en-US" dirty="0"/>
               <a:t>Fourth level</a:t>
             </a:r>
+            <a:endParaRPr lang="en-US" dirty="0"/>
           </a:p>
           <a:p>
             <a:pPr lvl="4"/>
@@ -1678,6 +1617,7 @@
               <a:rPr lang="en-US" dirty="0"/>
               <a:t>Fifth level</a:t>
             </a:r>
+            <a:endParaRPr lang="en-US" dirty="0"/>
           </a:p>
         </p:txBody>
       </p:sp>
@@ -1703,26 +1643,20 @@
           <a:ln w="9525">
             <a:noFill/>
             <a:miter lim="800000"/>
-            <a:headEnd/>
-            <a:tailEnd/>
           </a:ln>
           <a:effectLst/>
         </p:spPr>
         <p:txBody>
-          <a:bodyPr vert="horz" wrap="square" lIns="0" tIns="0" rIns="0" bIns="0" numCol="1" anchor="b" anchorCtr="0" compatLnSpc="1">
-            <a:prstTxWarp prst="textNoShape">
-              <a:avLst/>
-            </a:prstTxWarp>
-          </a:bodyPr>
+          <a:bodyPr vert="horz" wrap="square" lIns="0" tIns="0" rIns="0" bIns="0" numCol="1" anchor="b" anchorCtr="0" compatLnSpc="1"/>
           <a:lstStyle>
             <a:lvl1pPr algn="r" eaLnBrk="0" hangingPunct="0">
               <a:defRPr b="1">
                 <a:solidFill>
                   <a:srgbClr val="000000"/>
                 </a:solidFill>
-                <a:latin typeface="Arial" charset="0"/>
-                <a:ea typeface="ＭＳ Ｐゴシック" charset="0"/>
-                <a:cs typeface="ＭＳ Ｐゴシック" charset="0"/>
+                <a:latin typeface="Arial" panose="020B0604020202020204" pitchFamily="34" charset="0"/>
+                <a:ea typeface="MS PGothic" charset="0"/>
+                <a:cs typeface="MS PGothic" charset="0"/>
               </a:defRPr>
             </a:lvl1pPr>
           </a:lstStyle>
@@ -1732,10 +1666,6 @@
             </a:pPr>
             <a:fld id="{77EF9825-4C23-4085-A4E3-B5565466BD91}" type="slidenum">
               <a:rPr lang="en-US"/>
-              <a:pPr>
-                <a:defRPr/>
-              </a:pPr>
-              <a:t>‹#›</a:t>
             </a:fld>
             <a:endParaRPr lang="en-US" dirty="0"/>
           </a:p>
@@ -1763,16 +1693,11 @@
           <a:ln w="9525">
             <a:noFill/>
             <a:miter lim="800000"/>
-            <a:headEnd/>
-            <a:tailEnd/>
           </a:ln>
           <a:effectLst/>
         </p:spPr>
         <p:txBody>
           <a:bodyPr vert="horz" wrap="square" lIns="0" tIns="0" rIns="0" bIns="0" numCol="1" anchor="t" anchorCtr="0" compatLnSpc="1">
-            <a:prstTxWarp prst="textNoShape">
-              <a:avLst/>
-            </a:prstTxWarp>
             <a:spAutoFit/>
           </a:bodyPr>
           <a:lstStyle>
@@ -1798,6 +1723,7 @@
               <a:rPr lang="en-US" dirty="0"/>
               <a:t>Copyright © 2017 Elephant Scale. All rights reserved.</a:t>
             </a:r>
+            <a:endParaRPr lang="en-US" dirty="0"/>
           </a:p>
         </p:txBody>
       </p:sp>
@@ -1810,7 +1736,7 @@
           <p:nvPr/>
         </p:nvPicPr>
         <p:blipFill>
-          <a:blip r:embed="rId6"/>
+          <a:blip r:embed="rId5"/>
           <a:srcRect/>
           <a:stretch>
             <a:fillRect/>
@@ -1857,16 +1783,10 @@
           <a:ln w="9525">
             <a:noFill/>
             <a:miter lim="800000"/>
-            <a:headEnd/>
-            <a:tailEnd/>
           </a:ln>
         </p:spPr>
         <p:txBody>
-          <a:bodyPr vert="horz" wrap="square" lIns="92007" tIns="46005" rIns="92007" bIns="46005" numCol="1" anchor="b" anchorCtr="0" compatLnSpc="1">
-            <a:prstTxWarp prst="textNoShape">
-              <a:avLst/>
-            </a:prstTxWarp>
-          </a:bodyPr>
+          <a:bodyPr vert="horz" wrap="square" lIns="92007" tIns="46005" rIns="92007" bIns="46005" numCol="1" anchor="b" anchorCtr="0" compatLnSpc="1"/>
           <a:lstStyle/>
           <a:p>
             <a:pPr lvl="0"/>
@@ -1874,6 +1794,7 @@
               <a:rPr lang="en-US" dirty="0"/>
               <a:t>Click to edit Master title style</a:t>
             </a:r>
+            <a:endParaRPr lang="en-US" dirty="0"/>
           </a:p>
         </p:txBody>
       </p:sp>
@@ -1881,10 +1802,10 @@
   </p:cSld>
   <p:clrMap bg1="dk2" tx1="lt1" bg2="dk1" tx2="lt2" accent1="accent1" accent2="accent2" accent3="accent3" accent4="accent4" accent5="accent5" accent6="accent6" hlink="hlink" folHlink="folHlink"/>
   <p:sldLayoutIdLst>
-    <p:sldLayoutId id="2147483656" r:id="rId1"/>
-    <p:sldLayoutId id="2147483655" r:id="rId2"/>
-    <p:sldLayoutId id="2147483654" r:id="rId3"/>
-    <p:sldLayoutId id="2147483653" r:id="rId4"/>
+    <p:sldLayoutId id="2147483649" r:id="rId1"/>
+    <p:sldLayoutId id="2147483650" r:id="rId2"/>
+    <p:sldLayoutId id="2147483651" r:id="rId3"/>
+    <p:sldLayoutId id="2147483652" r:id="rId4"/>
   </p:sldLayoutIdLst>
   <p:hf hdr="0" dt="0"/>
   <p:txStyles>
@@ -1901,8 +1822,8 @@
             <a:schemeClr val="tx1"/>
           </a:solidFill>
           <a:latin typeface="+mj-lt"/>
-          <a:ea typeface="ＭＳ Ｐゴシック" pitchFamily="-110" charset="-128"/>
-          <a:cs typeface="ＭＳ Ｐゴシック" pitchFamily="-110" charset="-128"/>
+          <a:ea typeface="MS PGothic" pitchFamily="-110" charset="-128"/>
+          <a:cs typeface="MS PGothic" pitchFamily="-110" charset="-128"/>
         </a:defRPr>
       </a:lvl1pPr>
       <a:lvl2pPr algn="l" rtl="0" eaLnBrk="0" fontAlgn="base" hangingPunct="0">
@@ -1916,9 +1837,9 @@
           <a:solidFill>
             <a:schemeClr val="tx1"/>
           </a:solidFill>
-          <a:latin typeface="Verdana" pitchFamily="-110" charset="0"/>
-          <a:ea typeface="ＭＳ Ｐゴシック" pitchFamily="-110" charset="-128"/>
-          <a:cs typeface="ＭＳ Ｐゴシック" pitchFamily="-110" charset="-128"/>
+          <a:latin typeface="Verdana" panose="020B0604030504040204" pitchFamily="-110" charset="0"/>
+          <a:ea typeface="MS PGothic" pitchFamily="-110" charset="-128"/>
+          <a:cs typeface="MS PGothic" pitchFamily="-110" charset="-128"/>
         </a:defRPr>
       </a:lvl2pPr>
       <a:lvl3pPr algn="l" rtl="0" eaLnBrk="0" fontAlgn="base" hangingPunct="0">
@@ -1932,9 +1853,9 @@
           <a:solidFill>
             <a:schemeClr val="tx1"/>
           </a:solidFill>
-          <a:latin typeface="Verdana" pitchFamily="-110" charset="0"/>
-          <a:ea typeface="ＭＳ Ｐゴシック" pitchFamily="-110" charset="-128"/>
-          <a:cs typeface="ＭＳ Ｐゴシック" pitchFamily="-110" charset="-128"/>
+          <a:latin typeface="Verdana" panose="020B0604030504040204" pitchFamily="-110" charset="0"/>
+          <a:ea typeface="MS PGothic" pitchFamily="-110" charset="-128"/>
+          <a:cs typeface="MS PGothic" pitchFamily="-110" charset="-128"/>
         </a:defRPr>
       </a:lvl3pPr>
       <a:lvl4pPr algn="l" rtl="0" eaLnBrk="0" fontAlgn="base" hangingPunct="0">
@@ -1948,9 +1869,9 @@
           <a:solidFill>
             <a:schemeClr val="tx1"/>
           </a:solidFill>
-          <a:latin typeface="Verdana" pitchFamily="-110" charset="0"/>
-          <a:ea typeface="ＭＳ Ｐゴシック" pitchFamily="-110" charset="-128"/>
-          <a:cs typeface="ＭＳ Ｐゴシック" pitchFamily="-110" charset="-128"/>
+          <a:latin typeface="Verdana" panose="020B0604030504040204" pitchFamily="-110" charset="0"/>
+          <a:ea typeface="MS PGothic" pitchFamily="-110" charset="-128"/>
+          <a:cs typeface="MS PGothic" pitchFamily="-110" charset="-128"/>
         </a:defRPr>
       </a:lvl4pPr>
       <a:lvl5pPr algn="l" rtl="0" eaLnBrk="0" fontAlgn="base" hangingPunct="0">
@@ -1964,9 +1885,9 @@
           <a:solidFill>
             <a:schemeClr val="tx1"/>
           </a:solidFill>
-          <a:latin typeface="Verdana" pitchFamily="-110" charset="0"/>
-          <a:ea typeface="ＭＳ Ｐゴシック" pitchFamily="-110" charset="-128"/>
-          <a:cs typeface="ＭＳ Ｐゴシック" pitchFamily="-110" charset="-128"/>
+          <a:latin typeface="Verdana" panose="020B0604030504040204" pitchFamily="-110" charset="0"/>
+          <a:ea typeface="MS PGothic" pitchFamily="-110" charset="-128"/>
+          <a:cs typeface="MS PGothic" pitchFamily="-110" charset="-128"/>
         </a:defRPr>
       </a:lvl5pPr>
       <a:lvl6pPr marL="457200" algn="l" rtl="0" eaLnBrk="0" fontAlgn="base" hangingPunct="0">
@@ -1980,7 +1901,7 @@
           <a:solidFill>
             <a:schemeClr val="tx1"/>
           </a:solidFill>
-          <a:latin typeface="Verdana" pitchFamily="-110" charset="0"/>
+          <a:latin typeface="Verdana" panose="020B0604030504040204" pitchFamily="-110" charset="0"/>
         </a:defRPr>
       </a:lvl6pPr>
       <a:lvl7pPr marL="914400" algn="l" rtl="0" eaLnBrk="0" fontAlgn="base" hangingPunct="0">
@@ -1994,7 +1915,7 @@
           <a:solidFill>
             <a:schemeClr val="tx1"/>
           </a:solidFill>
-          <a:latin typeface="Verdana" pitchFamily="-110" charset="0"/>
+          <a:latin typeface="Verdana" panose="020B0604030504040204" pitchFamily="-110" charset="0"/>
         </a:defRPr>
       </a:lvl7pPr>
       <a:lvl8pPr marL="1371600" algn="l" rtl="0" eaLnBrk="0" fontAlgn="base" hangingPunct="0">
@@ -2008,7 +1929,7 @@
           <a:solidFill>
             <a:schemeClr val="tx1"/>
           </a:solidFill>
-          <a:latin typeface="Verdana" pitchFamily="-110" charset="0"/>
+          <a:latin typeface="Verdana" panose="020B0604030504040204" pitchFamily="-110" charset="0"/>
         </a:defRPr>
       </a:lvl8pPr>
       <a:lvl9pPr marL="1828800" algn="l" rtl="0" eaLnBrk="0" fontAlgn="base" hangingPunct="0">
@@ -2022,12 +1943,12 @@
           <a:solidFill>
             <a:schemeClr val="tx1"/>
           </a:solidFill>
-          <a:latin typeface="Verdana" pitchFamily="-110" charset="0"/>
+          <a:latin typeface="Verdana" panose="020B0604030504040204" pitchFamily="-110" charset="0"/>
         </a:defRPr>
       </a:lvl9pPr>
     </p:titleStyle>
     <p:bodyStyle>
-      <a:lvl1pPr marL="290513" indent="-290513" algn="l" rtl="0" eaLnBrk="0" fontAlgn="base" hangingPunct="0">
+      <a:lvl1pPr marL="290830" indent="-290830" algn="l" rtl="0" eaLnBrk="0" fontAlgn="base" hangingPunct="0">
         <a:spcBef>
           <a:spcPct val="20000"/>
         </a:spcBef>
@@ -2038,18 +1959,18 @@
           <a:schemeClr val="tx2"/>
         </a:buClr>
         <a:buSzPct val="65000"/>
-        <a:buFont typeface="Wingdings" pitchFamily="2" charset="2"/>
+        <a:buFont typeface="Wingdings" panose="05000000000000000000" pitchFamily="2" charset="2"/>
         <a:buChar char=""/>
         <a:defRPr sz="2400">
           <a:solidFill>
             <a:srgbClr val="000000"/>
           </a:solidFill>
           <a:latin typeface="+mn-lt"/>
-          <a:ea typeface="ＭＳ Ｐゴシック" pitchFamily="-110" charset="-128"/>
-          <a:cs typeface="ＭＳ Ｐゴシック" pitchFamily="-110" charset="-128"/>
+          <a:ea typeface="MS PGothic" pitchFamily="-110" charset="-128"/>
+          <a:cs typeface="MS PGothic" pitchFamily="-110" charset="-128"/>
         </a:defRPr>
       </a:lvl1pPr>
-      <a:lvl2pPr marL="633413" indent="-228600" algn="l" rtl="0" eaLnBrk="0" fontAlgn="base" hangingPunct="0">
+      <a:lvl2pPr marL="633730" indent="-228600" algn="l" rtl="0" eaLnBrk="0" fontAlgn="base" hangingPunct="0">
         <a:spcBef>
           <a:spcPct val="20000"/>
         </a:spcBef>
@@ -2065,11 +1986,11 @@
             <a:srgbClr val="000000"/>
           </a:solidFill>
           <a:latin typeface="+mn-lt"/>
-          <a:ea typeface="ＭＳ Ｐゴシック" pitchFamily="-110" charset="-128"/>
-          <a:cs typeface="ＭＳ Ｐゴシック"/>
+          <a:ea typeface="MS PGothic" pitchFamily="-110" charset="-128"/>
+          <a:cs typeface="MS PGothic"/>
         </a:defRPr>
       </a:lvl2pPr>
-      <a:lvl3pPr marL="969963" indent="-222250" algn="l" rtl="0" eaLnBrk="0" fontAlgn="base" hangingPunct="0">
+      <a:lvl3pPr marL="970280" indent="-222250" algn="l" rtl="0" eaLnBrk="0" fontAlgn="base" hangingPunct="0">
         <a:spcBef>
           <a:spcPct val="20000"/>
         </a:spcBef>
@@ -2082,11 +2003,11 @@
             <a:srgbClr val="000000"/>
           </a:solidFill>
           <a:latin typeface="+mn-lt"/>
-          <a:ea typeface="ＭＳ Ｐゴシック" pitchFamily="-110" charset="-128"/>
-          <a:cs typeface="ＭＳ Ｐゴシック"/>
+          <a:ea typeface="MS PGothic" pitchFamily="-110" charset="-128"/>
+          <a:cs typeface="MS PGothic"/>
         </a:defRPr>
       </a:lvl3pPr>
-      <a:lvl4pPr marL="1258888" indent="-228600" algn="l" rtl="0" eaLnBrk="0" fontAlgn="base" hangingPunct="0">
+      <a:lvl4pPr marL="1259205" indent="-228600" algn="l" rtl="0" eaLnBrk="0" fontAlgn="base" hangingPunct="0">
         <a:spcBef>
           <a:spcPct val="0"/>
         </a:spcBef>
@@ -2104,11 +2025,11 @@
             <a:srgbClr val="000000"/>
           </a:solidFill>
           <a:latin typeface="+mn-lt"/>
-          <a:ea typeface="ＭＳ Ｐゴシック" pitchFamily="-110" charset="-128"/>
-          <a:cs typeface="ＭＳ Ｐゴシック"/>
+          <a:ea typeface="MS PGothic" pitchFamily="-110" charset="-128"/>
+          <a:cs typeface="MS PGothic"/>
         </a:defRPr>
       </a:lvl4pPr>
-      <a:lvl5pPr marL="2055813" indent="-230188" algn="l" rtl="0" eaLnBrk="0" fontAlgn="base" hangingPunct="0">
+      <a:lvl5pPr marL="2056130" indent="-230505" algn="l" rtl="0" eaLnBrk="0" fontAlgn="base" hangingPunct="0">
         <a:spcBef>
           <a:spcPct val="20000"/>
         </a:spcBef>
@@ -2122,12 +2043,12 @@
           <a:solidFill>
             <a:schemeClr val="tx1"/>
           </a:solidFill>
-          <a:latin typeface="Times New Roman" pitchFamily="-110" charset="0"/>
-          <a:ea typeface="ＭＳ Ｐゴシック" pitchFamily="-110" charset="-128"/>
-          <a:cs typeface="ＭＳ Ｐゴシック"/>
+          <a:latin typeface="Times New Roman" panose="02020603050405020304" pitchFamily="-110" charset="0"/>
+          <a:ea typeface="MS PGothic" pitchFamily="-110" charset="-128"/>
+          <a:cs typeface="MS PGothic"/>
         </a:defRPr>
       </a:lvl5pPr>
-      <a:lvl6pPr marL="2513013" indent="-230188" algn="l" rtl="0" eaLnBrk="0" fontAlgn="base" hangingPunct="0">
+      <a:lvl6pPr marL="2513330" indent="-230505" algn="l" rtl="0" eaLnBrk="0" fontAlgn="base" hangingPunct="0">
         <a:spcBef>
           <a:spcPct val="20000"/>
         </a:spcBef>
@@ -2141,11 +2062,11 @@
           <a:solidFill>
             <a:schemeClr val="tx1"/>
           </a:solidFill>
-          <a:latin typeface="Times New Roman" pitchFamily="-110" charset="0"/>
-          <a:ea typeface="ＭＳ Ｐゴシック" pitchFamily="-110" charset="-128"/>
+          <a:latin typeface="Times New Roman" panose="02020603050405020304" pitchFamily="-110" charset="0"/>
+          <a:ea typeface="MS PGothic" pitchFamily="-110" charset="-128"/>
         </a:defRPr>
       </a:lvl6pPr>
-      <a:lvl7pPr marL="2970213" indent="-230188" algn="l" rtl="0" eaLnBrk="0" fontAlgn="base" hangingPunct="0">
+      <a:lvl7pPr marL="2970530" indent="-230505" algn="l" rtl="0" eaLnBrk="0" fontAlgn="base" hangingPunct="0">
         <a:spcBef>
           <a:spcPct val="20000"/>
         </a:spcBef>
@@ -2159,11 +2080,11 @@
           <a:solidFill>
             <a:schemeClr val="tx1"/>
           </a:solidFill>
-          <a:latin typeface="Times New Roman" pitchFamily="-110" charset="0"/>
-          <a:ea typeface="ＭＳ Ｐゴシック" pitchFamily="-110" charset="-128"/>
+          <a:latin typeface="Times New Roman" panose="02020603050405020304" pitchFamily="-110" charset="0"/>
+          <a:ea typeface="MS PGothic" pitchFamily="-110" charset="-128"/>
         </a:defRPr>
       </a:lvl7pPr>
-      <a:lvl8pPr marL="3427413" indent="-230188" algn="l" rtl="0" eaLnBrk="0" fontAlgn="base" hangingPunct="0">
+      <a:lvl8pPr marL="3427730" indent="-230505" algn="l" rtl="0" eaLnBrk="0" fontAlgn="base" hangingPunct="0">
         <a:spcBef>
           <a:spcPct val="20000"/>
         </a:spcBef>
@@ -2177,11 +2098,11 @@
           <a:solidFill>
             <a:schemeClr val="tx1"/>
           </a:solidFill>
-          <a:latin typeface="Times New Roman" pitchFamily="-110" charset="0"/>
-          <a:ea typeface="ＭＳ Ｐゴシック" pitchFamily="-110" charset="-128"/>
+          <a:latin typeface="Times New Roman" panose="02020603050405020304" pitchFamily="-110" charset="0"/>
+          <a:ea typeface="MS PGothic" pitchFamily="-110" charset="-128"/>
         </a:defRPr>
       </a:lvl8pPr>
-      <a:lvl9pPr marL="3884613" indent="-230188" algn="l" rtl="0" eaLnBrk="0" fontAlgn="base" hangingPunct="0">
+      <a:lvl9pPr marL="3884930" indent="-230505" algn="l" rtl="0" eaLnBrk="0" fontAlgn="base" hangingPunct="0">
         <a:spcBef>
           <a:spcPct val="20000"/>
         </a:spcBef>
@@ -2195,8 +2116,8 @@
           <a:solidFill>
             <a:schemeClr val="tx1"/>
           </a:solidFill>
-          <a:latin typeface="Times New Roman" pitchFamily="-110" charset="0"/>
-          <a:ea typeface="ＭＳ Ｐゴシック" pitchFamily="-110" charset="-128"/>
+          <a:latin typeface="Times New Roman" panose="02020603050405020304" pitchFamily="-110" charset="0"/>
+          <a:ea typeface="MS PGothic" pitchFamily="-110" charset="-128"/>
         </a:defRPr>
       </a:lvl9pPr>
     </p:bodyStyle>
@@ -2300,7 +2221,7 @@
 </file>
 
 <file path=ppt/slides/slide1.xml><?xml version="1.0" encoding="utf-8"?>
-<p:sld xmlns:a="http://schemas.openxmlformats.org/drawingml/2006/main" xmlns:p="http://schemas.openxmlformats.org/presentationml/2006/main" xmlns:r="http://schemas.openxmlformats.org/officeDocument/2006/relationships">
+<p:sld xmlns:a="http://schemas.openxmlformats.org/drawingml/2006/main" xmlns:r="http://schemas.openxmlformats.org/officeDocument/2006/relationships" xmlns:p="http://schemas.openxmlformats.org/presentationml/2006/main">
   <p:cSld>
     <p:spTree>
       <p:nvGrpSpPr>
@@ -2316,7 +2237,7 @@
             <a:spLocks noGrp="1"/>
           </p:cNvSpPr>
           <p:nvPr>
-            <p:ph type="subTitle" idx="1" sz="quarter"/>
+            <p:ph type="subTitle" sz="quarter" idx="1"/>
           </p:nvPr>
         </p:nvSpPr>
         <p:spPr/>
@@ -2389,6 +2310,11 @@
               </a:rPr>
               <a:t>Copyright © 2021 by Elephant Scale, All Rights Reserved</a:t>
             </a:r>
+            <a:endParaRPr sz="800">
+              <a:solidFill>
+                <a:srgbClr val="000000"/>
+              </a:solidFill>
+            </a:endParaRPr>
           </a:p>
         </p:txBody>
       </p:sp>
@@ -2401,7 +2327,7 @@
 </file>
 
 <file path=ppt/slides/slide10.xml><?xml version="1.0" encoding="utf-8"?>
-<p:sld xmlns:a="http://schemas.openxmlformats.org/drawingml/2006/main" xmlns:p="http://schemas.openxmlformats.org/presentationml/2006/main" xmlns:r="http://schemas.openxmlformats.org/officeDocument/2006/relationships">
+<p:sld xmlns:a="http://schemas.openxmlformats.org/drawingml/2006/main" xmlns:r="http://schemas.openxmlformats.org/officeDocument/2006/relationships" xmlns:p="http://schemas.openxmlformats.org/presentationml/2006/main">
   <p:cSld>
     <p:spTree>
       <p:nvGrpSpPr>
@@ -2502,6 +2428,11 @@
               </a:rPr>
               <a:t>Copyright © 2021 by Elephant Scale, All Rights Reserved</a:t>
             </a:r>
+            <a:endParaRPr sz="800">
+              <a:solidFill>
+                <a:srgbClr val="000000"/>
+              </a:solidFill>
+            </a:endParaRPr>
           </a:p>
         </p:txBody>
       </p:sp>
@@ -2514,7 +2445,7 @@
 </file>
 
 <file path=ppt/slides/slide11.xml><?xml version="1.0" encoding="utf-8"?>
-<p:sld xmlns:a="http://schemas.openxmlformats.org/drawingml/2006/main" xmlns:p="http://schemas.openxmlformats.org/presentationml/2006/main" xmlns:r="http://schemas.openxmlformats.org/officeDocument/2006/relationships">
+<p:sld xmlns:a="http://schemas.openxmlformats.org/drawingml/2006/main" xmlns:r="http://schemas.openxmlformats.org/officeDocument/2006/relationships" xmlns:p="http://schemas.openxmlformats.org/presentationml/2006/main">
   <p:cSld>
     <p:spTree>
       <p:nvGrpSpPr>
@@ -2604,6 +2535,11 @@
               </a:rPr>
               <a:t>Copyright © 2021 by Elephant Scale, All Rights Reserved</a:t>
             </a:r>
+            <a:endParaRPr sz="800">
+              <a:solidFill>
+                <a:srgbClr val="000000"/>
+              </a:solidFill>
+            </a:endParaRPr>
           </a:p>
         </p:txBody>
       </p:sp>
@@ -2616,7 +2552,7 @@
           <p:nvPr/>
         </p:nvPicPr>
         <p:blipFill>
-          <a:blip r:embed="rId2"/>
+          <a:blip r:embed="rId1"/>
           <a:stretch>
             <a:fillRect/>
           </a:stretch>
@@ -2640,7 +2576,7 @@
 </file>
 
 <file path=ppt/slides/slide12.xml><?xml version="1.0" encoding="utf-8"?>
-<p:sld xmlns:a="http://schemas.openxmlformats.org/drawingml/2006/main" xmlns:p="http://schemas.openxmlformats.org/presentationml/2006/main" xmlns:r="http://schemas.openxmlformats.org/officeDocument/2006/relationships">
+<p:sld xmlns:a="http://schemas.openxmlformats.org/drawingml/2006/main" xmlns:r="http://schemas.openxmlformats.org/officeDocument/2006/relationships" xmlns:p="http://schemas.openxmlformats.org/presentationml/2006/main">
   <p:cSld>
     <p:spTree>
       <p:nvGrpSpPr>
@@ -2736,6 +2672,11 @@
               </a:rPr>
               <a:t>Copyright © 2021 by Elephant Scale, All Rights Reserved</a:t>
             </a:r>
+            <a:endParaRPr sz="800">
+              <a:solidFill>
+                <a:srgbClr val="000000"/>
+              </a:solidFill>
+            </a:endParaRPr>
           </a:p>
         </p:txBody>
       </p:sp>
@@ -2748,7 +2689,7 @@
 </file>
 
 <file path=ppt/slides/slide13.xml><?xml version="1.0" encoding="utf-8"?>
-<p:sld xmlns:a="http://schemas.openxmlformats.org/drawingml/2006/main" xmlns:p="http://schemas.openxmlformats.org/presentationml/2006/main" xmlns:r="http://schemas.openxmlformats.org/officeDocument/2006/relationships">
+<p:sld xmlns:a="http://schemas.openxmlformats.org/drawingml/2006/main" xmlns:r="http://schemas.openxmlformats.org/officeDocument/2006/relationships" xmlns:p="http://schemas.openxmlformats.org/presentationml/2006/main">
   <p:cSld>
     <p:spTree>
       <p:nvGrpSpPr>
@@ -2838,6 +2779,11 @@
               </a:rPr>
               <a:t>Copyright © 2021 by Elephant Scale, All Rights Reserved</a:t>
             </a:r>
+            <a:endParaRPr sz="800">
+              <a:solidFill>
+                <a:srgbClr val="000000"/>
+              </a:solidFill>
+            </a:endParaRPr>
           </a:p>
         </p:txBody>
       </p:sp>
@@ -2850,7 +2796,7 @@
           <p:nvPr/>
         </p:nvPicPr>
         <p:blipFill>
-          <a:blip r:embed="rId2"/>
+          <a:blip r:embed="rId1"/>
           <a:stretch>
             <a:fillRect/>
           </a:stretch>
@@ -2874,7 +2820,7 @@
 </file>
 
 <file path=ppt/slides/slide14.xml><?xml version="1.0" encoding="utf-8"?>
-<p:sld xmlns:a="http://schemas.openxmlformats.org/drawingml/2006/main" xmlns:p="http://schemas.openxmlformats.org/presentationml/2006/main" xmlns:r="http://schemas.openxmlformats.org/officeDocument/2006/relationships">
+<p:sld xmlns:a="http://schemas.openxmlformats.org/drawingml/2006/main" xmlns:r="http://schemas.openxmlformats.org/officeDocument/2006/relationships" xmlns:p="http://schemas.openxmlformats.org/presentationml/2006/main">
   <p:cSld>
     <p:spTree>
       <p:nvGrpSpPr>
@@ -2970,6 +2916,11 @@
               </a:rPr>
               <a:t>Copyright © 2021 by Elephant Scale, All Rights Reserved</a:t>
             </a:r>
+            <a:endParaRPr sz="800">
+              <a:solidFill>
+                <a:srgbClr val="000000"/>
+              </a:solidFill>
+            </a:endParaRPr>
           </a:p>
         </p:txBody>
       </p:sp>
@@ -2982,7 +2933,7 @@
 </file>
 
 <file path=ppt/slides/slide15.xml><?xml version="1.0" encoding="utf-8"?>
-<p:sld xmlns:a="http://schemas.openxmlformats.org/drawingml/2006/main" xmlns:p="http://schemas.openxmlformats.org/presentationml/2006/main" xmlns:r="http://schemas.openxmlformats.org/officeDocument/2006/relationships">
+<p:sld xmlns:a="http://schemas.openxmlformats.org/drawingml/2006/main" xmlns:r="http://schemas.openxmlformats.org/officeDocument/2006/relationships" xmlns:p="http://schemas.openxmlformats.org/presentationml/2006/main">
   <p:cSld>
     <p:spTree>
       <p:nvGrpSpPr>
@@ -3072,6 +3023,11 @@
               </a:rPr>
               <a:t>Copyright © 2021 by Elephant Scale, All Rights Reserved</a:t>
             </a:r>
+            <a:endParaRPr sz="800">
+              <a:solidFill>
+                <a:srgbClr val="000000"/>
+              </a:solidFill>
+            </a:endParaRPr>
           </a:p>
         </p:txBody>
       </p:sp>
@@ -3084,7 +3040,7 @@
           <p:nvPr/>
         </p:nvPicPr>
         <p:blipFill>
-          <a:blip r:embed="rId2"/>
+          <a:blip r:embed="rId1"/>
           <a:stretch>
             <a:fillRect/>
           </a:stretch>
@@ -3108,7 +3064,7 @@
 </file>
 
 <file path=ppt/slides/slide16.xml><?xml version="1.0" encoding="utf-8"?>
-<p:sld xmlns:a="http://schemas.openxmlformats.org/drawingml/2006/main" xmlns:p="http://schemas.openxmlformats.org/presentationml/2006/main" xmlns:r="http://schemas.openxmlformats.org/officeDocument/2006/relationships">
+<p:sld xmlns:a="http://schemas.openxmlformats.org/drawingml/2006/main" xmlns:r="http://schemas.openxmlformats.org/officeDocument/2006/relationships" xmlns:p="http://schemas.openxmlformats.org/presentationml/2006/main">
   <p:cSld>
     <p:spTree>
       <p:nvGrpSpPr>
@@ -3194,6 +3150,11 @@
               </a:rPr>
               <a:t>Copyright © 2021 by Elephant Scale, All Rights Reserved</a:t>
             </a:r>
+            <a:endParaRPr sz="800">
+              <a:solidFill>
+                <a:srgbClr val="000000"/>
+              </a:solidFill>
+            </a:endParaRPr>
           </a:p>
         </p:txBody>
       </p:sp>
@@ -3206,7 +3167,7 @@
 </file>
 
 <file path=ppt/slides/slide17.xml><?xml version="1.0" encoding="utf-8"?>
-<p:sld xmlns:a="http://schemas.openxmlformats.org/drawingml/2006/main" xmlns:p="http://schemas.openxmlformats.org/presentationml/2006/main" xmlns:r="http://schemas.openxmlformats.org/officeDocument/2006/relationships">
+<p:sld xmlns:a="http://schemas.openxmlformats.org/drawingml/2006/main" xmlns:r="http://schemas.openxmlformats.org/officeDocument/2006/relationships" xmlns:p="http://schemas.openxmlformats.org/presentationml/2006/main">
   <p:cSld>
     <p:spTree>
       <p:nvGrpSpPr>
@@ -3296,6 +3257,11 @@
               </a:rPr>
               <a:t>Copyright © 2021 by Elephant Scale, All Rights Reserved</a:t>
             </a:r>
+            <a:endParaRPr sz="800">
+              <a:solidFill>
+                <a:srgbClr val="000000"/>
+              </a:solidFill>
+            </a:endParaRPr>
           </a:p>
         </p:txBody>
       </p:sp>
@@ -3308,7 +3274,7 @@
           <p:nvPr/>
         </p:nvPicPr>
         <p:blipFill>
-          <a:blip r:embed="rId2"/>
+          <a:blip r:embed="rId1"/>
           <a:stretch>
             <a:fillRect/>
           </a:stretch>
@@ -3332,7 +3298,7 @@
 </file>
 
 <file path=ppt/slides/slide18.xml><?xml version="1.0" encoding="utf-8"?>
-<p:sld xmlns:a="http://schemas.openxmlformats.org/drawingml/2006/main" xmlns:p="http://schemas.openxmlformats.org/presentationml/2006/main" xmlns:r="http://schemas.openxmlformats.org/officeDocument/2006/relationships">
+<p:sld xmlns:a="http://schemas.openxmlformats.org/drawingml/2006/main" xmlns:r="http://schemas.openxmlformats.org/officeDocument/2006/relationships" xmlns:p="http://schemas.openxmlformats.org/presentationml/2006/main">
   <p:cSld>
     <p:spTree>
       <p:nvGrpSpPr>
@@ -3392,10 +3358,13 @@
             </a:r>
             <a:r>
               <a:rPr>
-                <a:latin typeface="Courier New"/>
+                <a:latin typeface="Courier New" panose="02070309020205020404"/>
               </a:rPr>
               <a:t> urn:ietf:params:oauth:grant-type:device_code</a:t>
             </a:r>
+            <a:endParaRPr>
+              <a:latin typeface="Courier New" panose="02070309020205020404"/>
+            </a:endParaRPr>
           </a:p>
         </p:txBody>
       </p:sp>
@@ -3429,6 +3398,11 @@
               </a:rPr>
               <a:t>Copyright © 2021 by Elephant Scale, All Rights Reserved</a:t>
             </a:r>
+            <a:endParaRPr sz="800">
+              <a:solidFill>
+                <a:srgbClr val="000000"/>
+              </a:solidFill>
+            </a:endParaRPr>
           </a:p>
         </p:txBody>
       </p:sp>
@@ -3441,7 +3415,7 @@
 </file>
 
 <file path=ppt/slides/slide19.xml><?xml version="1.0" encoding="utf-8"?>
-<p:sld xmlns:a="http://schemas.openxmlformats.org/drawingml/2006/main" xmlns:p="http://schemas.openxmlformats.org/presentationml/2006/main" xmlns:r="http://schemas.openxmlformats.org/officeDocument/2006/relationships">
+<p:sld xmlns:a="http://schemas.openxmlformats.org/drawingml/2006/main" xmlns:r="http://schemas.openxmlformats.org/officeDocument/2006/relationships" xmlns:p="http://schemas.openxmlformats.org/presentationml/2006/main">
   <p:cSld>
     <p:spTree>
       <p:nvGrpSpPr>
@@ -3599,6 +3573,11 @@
               </a:rPr>
               <a:t>Copyright © 2021 by Elephant Scale, All Rights Reserved</a:t>
             </a:r>
+            <a:endParaRPr sz="800">
+              <a:solidFill>
+                <a:srgbClr val="000000"/>
+              </a:solidFill>
+            </a:endParaRPr>
           </a:p>
         </p:txBody>
       </p:sp>
@@ -3611,7 +3590,7 @@
 </file>
 
 <file path=ppt/slides/slide2.xml><?xml version="1.0" encoding="utf-8"?>
-<p:sld xmlns:a="http://schemas.openxmlformats.org/drawingml/2006/main" xmlns:p="http://schemas.openxmlformats.org/presentationml/2006/main" xmlns:r="http://schemas.openxmlformats.org/officeDocument/2006/relationships">
+<p:sld xmlns:a="http://schemas.openxmlformats.org/drawingml/2006/main" xmlns:r="http://schemas.openxmlformats.org/officeDocument/2006/relationships" xmlns:p="http://schemas.openxmlformats.org/presentationml/2006/main">
   <p:cSld>
     <p:spTree>
       <p:nvGrpSpPr>
@@ -3702,6 +3681,11 @@
               </a:rPr>
               <a:t>Copyright © 2021 by Elephant Scale, All Rights Reserved</a:t>
             </a:r>
+            <a:endParaRPr sz="800">
+              <a:solidFill>
+                <a:srgbClr val="000000"/>
+              </a:solidFill>
+            </a:endParaRPr>
           </a:p>
         </p:txBody>
       </p:sp>
@@ -3714,7 +3698,7 @@
 </file>
 
 <file path=ppt/slides/slide20.xml><?xml version="1.0" encoding="utf-8"?>
-<p:sld xmlns:a="http://schemas.openxmlformats.org/drawingml/2006/main" xmlns:p="http://schemas.openxmlformats.org/presentationml/2006/main" xmlns:r="http://schemas.openxmlformats.org/officeDocument/2006/relationships">
+<p:sld xmlns:a="http://schemas.openxmlformats.org/drawingml/2006/main" xmlns:r="http://schemas.openxmlformats.org/officeDocument/2006/relationships" xmlns:p="http://schemas.openxmlformats.org/presentationml/2006/main">
   <p:cSld>
     <p:spTree>
       <p:nvGrpSpPr>
@@ -3774,10 +3758,13 @@
             </a:r>
             <a:r>
               <a:rPr>
-                <a:latin typeface="Courier New"/>
+                <a:latin typeface="Courier New" panose="02070309020205020404"/>
               </a:rPr>
               <a:t> JSON Web Tokens</a:t>
             </a:r>
+            <a:endParaRPr>
+              <a:latin typeface="Courier New" panose="02070309020205020404"/>
+            </a:endParaRPr>
           </a:p>
         </p:txBody>
       </p:sp>
@@ -3811,6 +3798,11 @@
               </a:rPr>
               <a:t>Copyright © 2021 by Elephant Scale, All Rights Reserved</a:t>
             </a:r>
+            <a:endParaRPr sz="800">
+              <a:solidFill>
+                <a:srgbClr val="000000"/>
+              </a:solidFill>
+            </a:endParaRPr>
           </a:p>
         </p:txBody>
       </p:sp>
@@ -3823,7 +3815,7 @@
 </file>
 
 <file path=ppt/slides/slide21.xml><?xml version="1.0" encoding="utf-8"?>
-<p:sld xmlns:a="http://schemas.openxmlformats.org/drawingml/2006/main" xmlns:p="http://schemas.openxmlformats.org/presentationml/2006/main" xmlns:r="http://schemas.openxmlformats.org/officeDocument/2006/relationships">
+<p:sld xmlns:a="http://schemas.openxmlformats.org/drawingml/2006/main" xmlns:r="http://schemas.openxmlformats.org/officeDocument/2006/relationships" xmlns:p="http://schemas.openxmlformats.org/presentationml/2006/main">
   <p:cSld>
     <p:spTree>
       <p:nvGrpSpPr>
@@ -3939,6 +3931,11 @@
               </a:rPr>
               <a:t>Copyright © 2021 by Elephant Scale, All Rights Reserved</a:t>
             </a:r>
+            <a:endParaRPr sz="800">
+              <a:solidFill>
+                <a:srgbClr val="000000"/>
+              </a:solidFill>
+            </a:endParaRPr>
           </a:p>
         </p:txBody>
       </p:sp>
@@ -3951,7 +3948,7 @@
 </file>
 
 <file path=ppt/slides/slide22.xml><?xml version="1.0" encoding="utf-8"?>
-<p:sld xmlns:a="http://schemas.openxmlformats.org/drawingml/2006/main" xmlns:p="http://schemas.openxmlformats.org/presentationml/2006/main" xmlns:r="http://schemas.openxmlformats.org/officeDocument/2006/relationships">
+<p:sld xmlns:a="http://schemas.openxmlformats.org/drawingml/2006/main" xmlns:r="http://schemas.openxmlformats.org/officeDocument/2006/relationships" xmlns:p="http://schemas.openxmlformats.org/presentationml/2006/main">
   <p:cSld>
     <p:spTree>
       <p:nvGrpSpPr>
@@ -3967,7 +3964,7 @@
             <a:spLocks noGrp="1"/>
           </p:cNvSpPr>
           <p:nvPr>
-            <p:ph type="subTitle" idx="1" sz="quarter"/>
+            <p:ph type="subTitle" sz="quarter" idx="1"/>
           </p:nvPr>
         </p:nvSpPr>
         <p:spPr/>
@@ -3987,6 +3984,7 @@
               <a:t>Java Implementations
 </a:t>
             </a:r>
+            <a:endParaRPr b="1"/>
           </a:p>
         </p:txBody>
       </p:sp>
@@ -4041,6 +4039,11 @@
               </a:rPr>
               <a:t>Copyright © 2021 by Elephant Scale, All Rights Reserved</a:t>
             </a:r>
+            <a:endParaRPr sz="800">
+              <a:solidFill>
+                <a:srgbClr val="000000"/>
+              </a:solidFill>
+            </a:endParaRPr>
           </a:p>
         </p:txBody>
       </p:sp>
@@ -4053,7 +4056,7 @@
 </file>
 
 <file path=ppt/slides/slide23.xml><?xml version="1.0" encoding="utf-8"?>
-<p:sld xmlns:a="http://schemas.openxmlformats.org/drawingml/2006/main" xmlns:p="http://schemas.openxmlformats.org/presentationml/2006/main" xmlns:r="http://schemas.openxmlformats.org/officeDocument/2006/relationships">
+<p:sld xmlns:a="http://schemas.openxmlformats.org/drawingml/2006/main" xmlns:r="http://schemas.openxmlformats.org/officeDocument/2006/relationships" xmlns:p="http://schemas.openxmlformats.org/presentationml/2006/main">
   <p:cSld>
     <p:spTree>
       <p:nvGrpSpPr>
@@ -4144,6 +4147,11 @@
               </a:rPr>
               <a:t>Copyright © 2021 by Elephant Scale, All Rights Reserved</a:t>
             </a:r>
+            <a:endParaRPr sz="800">
+              <a:solidFill>
+                <a:srgbClr val="000000"/>
+              </a:solidFill>
+            </a:endParaRPr>
           </a:p>
         </p:txBody>
       </p:sp>
@@ -4156,7 +4164,7 @@
 </file>
 
 <file path=ppt/slides/slide24.xml><?xml version="1.0" encoding="utf-8"?>
-<p:sld xmlns:a="http://schemas.openxmlformats.org/drawingml/2006/main" xmlns:p="http://schemas.openxmlformats.org/presentationml/2006/main" xmlns:r="http://schemas.openxmlformats.org/officeDocument/2006/relationships">
+<p:sld xmlns:a="http://schemas.openxmlformats.org/drawingml/2006/main" xmlns:r="http://schemas.openxmlformats.org/officeDocument/2006/relationships" xmlns:p="http://schemas.openxmlformats.org/presentationml/2006/main">
   <p:cSld>
     <p:spTree>
       <p:nvGrpSpPr>
@@ -4219,28 +4227,37 @@
             <a:pPr lvl="1"/>
             <a:r>
               <a:rPr>
-                <a:latin typeface="Courier New"/>
+                <a:latin typeface="Courier New" panose="02070309020205020404"/>
               </a:rPr>
               <a:t> @RolesAllowed</a:t>
             </a:r>
+            <a:endParaRPr>
+              <a:latin typeface="Courier New" panose="02070309020205020404"/>
+            </a:endParaRPr>
           </a:p>
           <a:p>
             <a:pPr lvl="1"/>
             <a:r>
               <a:rPr>
-                <a:latin typeface="Courier New"/>
+                <a:latin typeface="Courier New" panose="02070309020205020404"/>
               </a:rPr>
               <a:t> @PermitAll</a:t>
             </a:r>
+            <a:endParaRPr>
+              <a:latin typeface="Courier New" panose="02070309020205020404"/>
+            </a:endParaRPr>
           </a:p>
           <a:p>
             <a:pPr lvl="1"/>
             <a:r>
               <a:rPr>
-                <a:latin typeface="Courier New"/>
+                <a:latin typeface="Courier New" panose="02070309020205020404"/>
               </a:rPr>
               <a:t> @DenyAll</a:t>
             </a:r>
+            <a:endParaRPr>
+              <a:latin typeface="Courier New" panose="02070309020205020404"/>
+            </a:endParaRPr>
           </a:p>
           <a:p>
             <a:r>
@@ -4251,10 +4268,13 @@
             <a:pPr lvl="1"/>
             <a:r>
               <a:rPr>
-                <a:latin typeface="Courier New"/>
+                <a:latin typeface="Courier New" panose="02070309020205020404"/>
               </a:rPr>
               <a:t> @EntityFiltering</a:t>
             </a:r>
+            <a:endParaRPr>
+              <a:latin typeface="Courier New" panose="02070309020205020404"/>
+            </a:endParaRPr>
           </a:p>
           <a:p>
             <a:r>
@@ -4293,6 +4313,11 @@
               </a:rPr>
               <a:t>Copyright © 2021 by Elephant Scale, All Rights Reserved</a:t>
             </a:r>
+            <a:endParaRPr sz="800">
+              <a:solidFill>
+                <a:srgbClr val="000000"/>
+              </a:solidFill>
+            </a:endParaRPr>
           </a:p>
         </p:txBody>
       </p:sp>
@@ -4305,7 +4330,7 @@
 </file>
 
 <file path=ppt/slides/slide25.xml><?xml version="1.0" encoding="utf-8"?>
-<p:sld xmlns:a="http://schemas.openxmlformats.org/drawingml/2006/main" xmlns:p="http://schemas.openxmlformats.org/presentationml/2006/main" xmlns:r="http://schemas.openxmlformats.org/officeDocument/2006/relationships">
+<p:sld xmlns:a="http://schemas.openxmlformats.org/drawingml/2006/main" xmlns:r="http://schemas.openxmlformats.org/officeDocument/2006/relationships" xmlns:p="http://schemas.openxmlformats.org/presentationml/2006/main">
   <p:cSld>
     <p:spTree>
       <p:nvGrpSpPr>
@@ -4396,6 +4421,11 @@
               </a:rPr>
               <a:t>Copyright © 2021 by Elephant Scale, All Rights Reserved</a:t>
             </a:r>
+            <a:endParaRPr sz="800">
+              <a:solidFill>
+                <a:srgbClr val="000000"/>
+              </a:solidFill>
+            </a:endParaRPr>
           </a:p>
         </p:txBody>
       </p:sp>
@@ -4408,7 +4438,7 @@
 </file>
 
 <file path=ppt/slides/slide26.xml><?xml version="1.0" encoding="utf-8"?>
-<p:sld xmlns:a="http://schemas.openxmlformats.org/drawingml/2006/main" xmlns:p="http://schemas.openxmlformats.org/presentationml/2006/main" xmlns:r="http://schemas.openxmlformats.org/officeDocument/2006/relationships">
+<p:sld xmlns:a="http://schemas.openxmlformats.org/drawingml/2006/main" xmlns:r="http://schemas.openxmlformats.org/officeDocument/2006/relationships" xmlns:p="http://schemas.openxmlformats.org/presentationml/2006/main">
   <p:cSld>
     <p:spTree>
       <p:nvGrpSpPr>
@@ -4488,6 +4518,11 @@
               </a:rPr>
               <a:t>Copyright © 2021 by Elephant Scale, All Rights Reserved</a:t>
             </a:r>
+            <a:endParaRPr sz="800">
+              <a:solidFill>
+                <a:srgbClr val="000000"/>
+              </a:solidFill>
+            </a:endParaRPr>
           </a:p>
         </p:txBody>
       </p:sp>
@@ -4500,7 +4535,7 @@
           <p:nvPr/>
         </p:nvPicPr>
         <p:blipFill>
-          <a:blip r:embed="rId2"/>
+          <a:blip r:embed="rId1"/>
           <a:stretch>
             <a:fillRect/>
           </a:stretch>
@@ -4524,7 +4559,7 @@
 </file>
 
 <file path=ppt/slides/slide27.xml><?xml version="1.0" encoding="utf-8"?>
-<p:sld xmlns:a="http://schemas.openxmlformats.org/drawingml/2006/main" xmlns:p="http://schemas.openxmlformats.org/presentationml/2006/main" xmlns:r="http://schemas.openxmlformats.org/officeDocument/2006/relationships">
+<p:sld xmlns:a="http://schemas.openxmlformats.org/drawingml/2006/main" xmlns:r="http://schemas.openxmlformats.org/officeDocument/2006/relationships" xmlns:p="http://schemas.openxmlformats.org/presentationml/2006/main">
   <p:cSld>
     <p:spTree>
       <p:nvGrpSpPr>
@@ -4606,6 +4641,11 @@
               </a:rPr>
               <a:t>Copyright © 2021 by Elephant Scale, All Rights Reserved</a:t>
             </a:r>
+            <a:endParaRPr sz="800">
+              <a:solidFill>
+                <a:srgbClr val="000000"/>
+              </a:solidFill>
+            </a:endParaRPr>
           </a:p>
         </p:txBody>
       </p:sp>
@@ -4618,14 +4658,14 @@
           <p:nvPr/>
         </p:nvPicPr>
         <p:blipFill>
-          <a:blip r:embed="rId2"/>
+          <a:blip r:embed="rId1"/>
           <a:stretch>
             <a:fillRect/>
           </a:stretch>
         </p:blipFill>
         <p:spPr>
           <a:xfrm>
-            <a:off x="0" y="886968"/>
+            <a:off x="0" y="1558163"/>
             <a:ext cx="9372600" cy="5074920"/>
           </a:xfrm>
           <a:prstGeom prst="rect">
@@ -4642,7 +4682,7 @@
 </file>
 
 <file path=ppt/slides/slide28.xml><?xml version="1.0" encoding="utf-8"?>
-<p:sld xmlns:a="http://schemas.openxmlformats.org/drawingml/2006/main" xmlns:p="http://schemas.openxmlformats.org/presentationml/2006/main" xmlns:r="http://schemas.openxmlformats.org/officeDocument/2006/relationships">
+<p:sld xmlns:a="http://schemas.openxmlformats.org/drawingml/2006/main" xmlns:r="http://schemas.openxmlformats.org/officeDocument/2006/relationships" xmlns:p="http://schemas.openxmlformats.org/presentationml/2006/main">
   <p:cSld>
     <p:spTree>
       <p:nvGrpSpPr>
@@ -4746,7 +4786,7 @@
             <a:pPr lvl="1"/>
             <a:r>
               <a:rPr>
-                <a:latin typeface="Courier New"/>
+                <a:latin typeface="Courier New" panose="02070309020205020404"/>
               </a:rPr>
               <a:t> Github</a:t>
             </a:r>
@@ -4755,7 +4795,7 @@
             </a:r>
             <a:r>
               <a:rPr>
-                <a:latin typeface="Courier New"/>
+                <a:latin typeface="Courier New" panose="02070309020205020404"/>
               </a:rPr>
               <a:t> Facebook</a:t>
             </a:r>
@@ -4764,7 +4804,7 @@
             </a:r>
             <a:r>
               <a:rPr>
-                <a:latin typeface="Courier New"/>
+                <a:latin typeface="Courier New" panose="02070309020205020404"/>
               </a:rPr>
               <a:t> Google</a:t>
             </a:r>
@@ -4804,6 +4844,11 @@
               </a:rPr>
               <a:t>Copyright © 2021 by Elephant Scale, All Rights Reserved</a:t>
             </a:r>
+            <a:endParaRPr sz="800">
+              <a:solidFill>
+                <a:srgbClr val="000000"/>
+              </a:solidFill>
+            </a:endParaRPr>
           </a:p>
         </p:txBody>
       </p:sp>
@@ -4816,7 +4861,7 @@
 </file>
 
 <file path=ppt/slides/slide29.xml><?xml version="1.0" encoding="utf-8"?>
-<p:sld xmlns:a="http://schemas.openxmlformats.org/drawingml/2006/main" xmlns:p="http://schemas.openxmlformats.org/presentationml/2006/main" xmlns:r="http://schemas.openxmlformats.org/officeDocument/2006/relationships">
+<p:sld xmlns:a="http://schemas.openxmlformats.org/drawingml/2006/main" xmlns:r="http://schemas.openxmlformats.org/officeDocument/2006/relationships" xmlns:p="http://schemas.openxmlformats.org/presentationml/2006/main">
   <p:cSld>
     <p:spTree>
       <p:nvGrpSpPr>
@@ -4897,6 +4942,11 @@
               </a:rPr>
               <a:t>Copyright © 2021 by Elephant Scale, All Rights Reserved</a:t>
             </a:r>
+            <a:endParaRPr sz="800">
+              <a:solidFill>
+                <a:srgbClr val="000000"/>
+              </a:solidFill>
+            </a:endParaRPr>
           </a:p>
         </p:txBody>
       </p:sp>
@@ -4909,7 +4959,7 @@
           <p:nvPr/>
         </p:nvPicPr>
         <p:blipFill>
-          <a:blip r:embed="rId2"/>
+          <a:blip r:embed="rId1"/>
           <a:stretch>
             <a:fillRect/>
           </a:stretch>
@@ -4933,7 +4983,7 @@
 </file>
 
 <file path=ppt/slides/slide3.xml><?xml version="1.0" encoding="utf-8"?>
-<p:sld xmlns:a="http://schemas.openxmlformats.org/drawingml/2006/main" xmlns:p="http://schemas.openxmlformats.org/presentationml/2006/main" xmlns:r="http://schemas.openxmlformats.org/officeDocument/2006/relationships">
+<p:sld xmlns:a="http://schemas.openxmlformats.org/drawingml/2006/main" xmlns:r="http://schemas.openxmlformats.org/officeDocument/2006/relationships" xmlns:p="http://schemas.openxmlformats.org/presentationml/2006/main">
   <p:cSld>
     <p:spTree>
       <p:nvGrpSpPr>
@@ -4949,7 +4999,7 @@
             <a:spLocks noGrp="1"/>
           </p:cNvSpPr>
           <p:nvPr>
-            <p:ph type="subTitle" idx="1" sz="quarter"/>
+            <p:ph type="subTitle" sz="quarter" idx="1"/>
           </p:nvPr>
         </p:nvSpPr>
         <p:spPr/>
@@ -5023,6 +5073,11 @@
               </a:rPr>
               <a:t>Copyright © 2021 by Elephant Scale, All Rights Reserved</a:t>
             </a:r>
+            <a:endParaRPr sz="800">
+              <a:solidFill>
+                <a:srgbClr val="000000"/>
+              </a:solidFill>
+            </a:endParaRPr>
           </a:p>
         </p:txBody>
       </p:sp>
@@ -5035,7 +5090,7 @@
 </file>
 
 <file path=ppt/slides/slide30.xml><?xml version="1.0" encoding="utf-8"?>
-<p:sld xmlns:a="http://schemas.openxmlformats.org/drawingml/2006/main" xmlns:p="http://schemas.openxmlformats.org/presentationml/2006/main" xmlns:r="http://schemas.openxmlformats.org/officeDocument/2006/relationships">
+<p:sld xmlns:a="http://schemas.openxmlformats.org/drawingml/2006/main" xmlns:r="http://schemas.openxmlformats.org/officeDocument/2006/relationships" xmlns:p="http://schemas.openxmlformats.org/presentationml/2006/main">
   <p:cSld>
     <p:spTree>
       <p:nvGrpSpPr>
@@ -5116,6 +5171,11 @@
               </a:rPr>
               <a:t>Copyright © 2021 by Elephant Scale, All Rights Reserved</a:t>
             </a:r>
+            <a:endParaRPr sz="800">
+              <a:solidFill>
+                <a:srgbClr val="000000"/>
+              </a:solidFill>
+            </a:endParaRPr>
           </a:p>
         </p:txBody>
       </p:sp>
@@ -5128,7 +5188,7 @@
           <p:nvPr/>
         </p:nvPicPr>
         <p:blipFill>
-          <a:blip r:embed="rId2"/>
+          <a:blip r:embed="rId1"/>
           <a:stretch>
             <a:fillRect/>
           </a:stretch>
@@ -5152,7 +5212,7 @@
 </file>
 
 <file path=ppt/slides/slide31.xml><?xml version="1.0" encoding="utf-8"?>
-<p:sld xmlns:a="http://schemas.openxmlformats.org/drawingml/2006/main" xmlns:p="http://schemas.openxmlformats.org/presentationml/2006/main" xmlns:r="http://schemas.openxmlformats.org/officeDocument/2006/relationships">
+<p:sld xmlns:a="http://schemas.openxmlformats.org/drawingml/2006/main" xmlns:r="http://schemas.openxmlformats.org/officeDocument/2006/relationships" xmlns:p="http://schemas.openxmlformats.org/presentationml/2006/main">
   <p:cSld>
     <p:spTree>
       <p:nvGrpSpPr>
@@ -5234,6 +5294,11 @@
               </a:rPr>
               <a:t>Copyright © 2021 by Elephant Scale, All Rights Reserved</a:t>
             </a:r>
+            <a:endParaRPr sz="800">
+              <a:solidFill>
+                <a:srgbClr val="000000"/>
+              </a:solidFill>
+            </a:endParaRPr>
           </a:p>
         </p:txBody>
       </p:sp>
@@ -5246,7 +5311,7 @@
           <p:nvPr/>
         </p:nvPicPr>
         <p:blipFill>
-          <a:blip r:embed="rId2"/>
+          <a:blip r:embed="rId1"/>
           <a:stretch>
             <a:fillRect/>
           </a:stretch>
@@ -5270,7 +5335,7 @@
 </file>
 
 <file path=ppt/slides/slide32.xml><?xml version="1.0" encoding="utf-8"?>
-<p:sld xmlns:a="http://schemas.openxmlformats.org/drawingml/2006/main" xmlns:p="http://schemas.openxmlformats.org/presentationml/2006/main" xmlns:r="http://schemas.openxmlformats.org/officeDocument/2006/relationships">
+<p:sld xmlns:a="http://schemas.openxmlformats.org/drawingml/2006/main" xmlns:r="http://schemas.openxmlformats.org/officeDocument/2006/relationships" xmlns:p="http://schemas.openxmlformats.org/presentationml/2006/main">
   <p:cSld>
     <p:spTree>
       <p:nvGrpSpPr>
@@ -5351,6 +5416,11 @@
               </a:rPr>
               <a:t>Copyright © 2021 by Elephant Scale, All Rights Reserved</a:t>
             </a:r>
+            <a:endParaRPr sz="800">
+              <a:solidFill>
+                <a:srgbClr val="000000"/>
+              </a:solidFill>
+            </a:endParaRPr>
           </a:p>
         </p:txBody>
       </p:sp>
@@ -5363,7 +5433,7 @@
           <p:nvPr/>
         </p:nvPicPr>
         <p:blipFill>
-          <a:blip r:embed="rId2"/>
+          <a:blip r:embed="rId1"/>
           <a:stretch>
             <a:fillRect/>
           </a:stretch>
@@ -5387,7 +5457,7 @@
 </file>
 
 <file path=ppt/slides/slide33.xml><?xml version="1.0" encoding="utf-8"?>
-<p:sld xmlns:a="http://schemas.openxmlformats.org/drawingml/2006/main" xmlns:p="http://schemas.openxmlformats.org/presentationml/2006/main" xmlns:r="http://schemas.openxmlformats.org/officeDocument/2006/relationships">
+<p:sld xmlns:a="http://schemas.openxmlformats.org/drawingml/2006/main" xmlns:r="http://schemas.openxmlformats.org/officeDocument/2006/relationships" xmlns:p="http://schemas.openxmlformats.org/presentationml/2006/main">
   <p:cSld>
     <p:spTree>
       <p:nvGrpSpPr>
@@ -5480,7 +5550,7 @@
             </a:r>
             <a:r>
               <a:rPr>
-                <a:latin typeface="Courier New"/>
+                <a:latin typeface="Courier New" panose="02070309020205020404"/>
               </a:rPr>
               <a:t> Spring</a:t>
             </a:r>
@@ -5520,6 +5590,11 @@
               </a:rPr>
               <a:t>Copyright © 2021 by Elephant Scale, All Rights Reserved</a:t>
             </a:r>
+            <a:endParaRPr sz="800">
+              <a:solidFill>
+                <a:srgbClr val="000000"/>
+              </a:solidFill>
+            </a:endParaRPr>
           </a:p>
         </p:txBody>
       </p:sp>
@@ -5532,7 +5607,7 @@
 </file>
 
 <file path=ppt/slides/slide34.xml><?xml version="1.0" encoding="utf-8"?>
-<p:sld xmlns:a="http://schemas.openxmlformats.org/drawingml/2006/main" xmlns:p="http://schemas.openxmlformats.org/presentationml/2006/main" xmlns:r="http://schemas.openxmlformats.org/officeDocument/2006/relationships">
+<p:sld xmlns:a="http://schemas.openxmlformats.org/drawingml/2006/main" xmlns:r="http://schemas.openxmlformats.org/officeDocument/2006/relationships" xmlns:p="http://schemas.openxmlformats.org/presentationml/2006/main">
   <p:cSld>
     <p:spTree>
       <p:nvGrpSpPr>
@@ -5579,10 +5654,13 @@
           <a:p>
             <a:r>
               <a:rPr>
-                <a:latin typeface="Courier New"/>
+                <a:latin typeface="Courier New" panose="02070309020205020404"/>
               </a:rPr>
               <a:t> @EnableAuthorizationServer</a:t>
             </a:r>
+            <a:endParaRPr>
+              <a:latin typeface="Courier New" panose="02070309020205020404"/>
+            </a:endParaRPr>
           </a:p>
           <a:p>
             <a:pPr lvl="1"/>
@@ -5597,18 +5675,24 @@
             </a:r>
             <a:r>
               <a:rPr>
-                <a:latin typeface="Courier New"/>
+                <a:latin typeface="Courier New" panose="02070309020205020404"/>
               </a:rPr>
               <a:t> &lt;authorization-server/&gt;</a:t>
             </a:r>
+            <a:endParaRPr>
+              <a:latin typeface="Courier New" panose="02070309020205020404"/>
+            </a:endParaRPr>
           </a:p>
           <a:p>
             <a:r>
               <a:rPr>
-                <a:latin typeface="Courier New"/>
+                <a:latin typeface="Courier New" panose="02070309020205020404"/>
               </a:rPr>
               <a:t> ClientDetailsServiceConfigurer</a:t>
             </a:r>
+            <a:endParaRPr>
+              <a:latin typeface="Courier New" panose="02070309020205020404"/>
+            </a:endParaRPr>
           </a:p>
           <a:p>
             <a:pPr lvl="1"/>
@@ -5625,10 +5709,13 @@
           <a:p>
             <a:r>
               <a:rPr>
-                <a:latin typeface="Courier New"/>
+                <a:latin typeface="Courier New" panose="02070309020205020404"/>
               </a:rPr>
               <a:t> AuthorizationServerTokenServices</a:t>
             </a:r>
+            <a:endParaRPr>
+              <a:latin typeface="Courier New" panose="02070309020205020404"/>
+            </a:endParaRPr>
           </a:p>
           <a:p>
             <a:pPr lvl="1"/>
@@ -5645,10 +5732,13 @@
           <a:p>
             <a:r>
               <a:rPr>
-                <a:latin typeface="Courier New"/>
+                <a:latin typeface="Courier New" panose="02070309020205020404"/>
               </a:rPr>
               <a:t> AuthorizationServerEndpointConfigurer</a:t>
             </a:r>
+            <a:endParaRPr>
+              <a:latin typeface="Courier New" panose="02070309020205020404"/>
+            </a:endParaRPr>
           </a:p>
           <a:p>
             <a:pPr lvl="1"/>
@@ -5694,6 +5784,11 @@
               </a:rPr>
               <a:t>Copyright © 2021 by Elephant Scale, All Rights Reserved</a:t>
             </a:r>
+            <a:endParaRPr sz="800">
+              <a:solidFill>
+                <a:srgbClr val="000000"/>
+              </a:solidFill>
+            </a:endParaRPr>
           </a:p>
         </p:txBody>
       </p:sp>
@@ -5706,7 +5801,7 @@
 </file>
 
 <file path=ppt/slides/slide35.xml><?xml version="1.0" encoding="utf-8"?>
-<p:sld xmlns:a="http://schemas.openxmlformats.org/drawingml/2006/main" xmlns:p="http://schemas.openxmlformats.org/presentationml/2006/main" xmlns:r="http://schemas.openxmlformats.org/officeDocument/2006/relationships">
+<p:sld xmlns:a="http://schemas.openxmlformats.org/drawingml/2006/main" xmlns:r="http://schemas.openxmlformats.org/officeDocument/2006/relationships" xmlns:p="http://schemas.openxmlformats.org/presentationml/2006/main">
   <p:cSld>
     <p:spTree>
       <p:nvGrpSpPr>
@@ -5763,10 +5858,13 @@
           <a:p>
             <a:r>
               <a:rPr>
-                <a:latin typeface="Courier New"/>
+                <a:latin typeface="Courier New" panose="02070309020205020404"/>
               </a:rPr>
               <a:t> @EnableResourceServer</a:t>
             </a:r>
+            <a:endParaRPr>
+              <a:latin typeface="Courier New" panose="02070309020205020404"/>
+            </a:endParaRPr>
           </a:p>
           <a:p>
             <a:pPr lvl="1"/>
@@ -5778,7 +5876,7 @@
             <a:pPr lvl="1"/>
             <a:r>
               <a:rPr>
-                <a:latin typeface="Courier New"/>
+                <a:latin typeface="Courier New" panose="02070309020205020404"/>
               </a:rPr>
               <a:t> XML</a:t>
             </a:r>
@@ -5787,7 +5885,7 @@
             </a:r>
             <a:r>
               <a:rPr>
-                <a:latin typeface="Courier New"/>
+                <a:latin typeface="Courier New" panose="02070309020205020404"/>
               </a:rPr>
               <a:t> &lt;resource-server/&gt;</a:t>
             </a:r>
@@ -5799,28 +5897,37 @@
             <a:pPr lvl="1"/>
             <a:r>
               <a:rPr>
-                <a:latin typeface="Courier New"/>
+                <a:latin typeface="Courier New" panose="02070309020205020404"/>
               </a:rPr>
               <a:t> #oauth2.clientHasRole</a:t>
             </a:r>
+            <a:endParaRPr>
+              <a:latin typeface="Courier New" panose="02070309020205020404"/>
+            </a:endParaRPr>
           </a:p>
           <a:p>
             <a:pPr lvl="1"/>
             <a:r>
               <a:rPr>
-                <a:latin typeface="Courier New"/>
+                <a:latin typeface="Courier New" panose="02070309020205020404"/>
               </a:rPr>
               <a:t> #oauth2.clientHasAnyRole</a:t>
             </a:r>
+            <a:endParaRPr>
+              <a:latin typeface="Courier New" panose="02070309020205020404"/>
+            </a:endParaRPr>
           </a:p>
           <a:p>
             <a:pPr lvl="1"/>
             <a:r>
               <a:rPr>
-                <a:latin typeface="Courier New"/>
+                <a:latin typeface="Courier New" panose="02070309020205020404"/>
               </a:rPr>
               <a:t> #oauth2.denyClient</a:t>
             </a:r>
+            <a:endParaRPr>
+              <a:latin typeface="Courier New" panose="02070309020205020404"/>
+            </a:endParaRPr>
           </a:p>
         </p:txBody>
       </p:sp>
@@ -5854,6 +5961,11 @@
               </a:rPr>
               <a:t>Copyright © 2021 by Elephant Scale, All Rights Reserved</a:t>
             </a:r>
+            <a:endParaRPr sz="800">
+              <a:solidFill>
+                <a:srgbClr val="000000"/>
+              </a:solidFill>
+            </a:endParaRPr>
           </a:p>
         </p:txBody>
       </p:sp>
@@ -5866,7 +5978,7 @@
 </file>
 
 <file path=ppt/slides/slide36.xml><?xml version="1.0" encoding="utf-8"?>
-<p:sld xmlns:a="http://schemas.openxmlformats.org/drawingml/2006/main" xmlns:p="http://schemas.openxmlformats.org/presentationml/2006/main" xmlns:r="http://schemas.openxmlformats.org/officeDocument/2006/relationships">
+<p:sld xmlns:a="http://schemas.openxmlformats.org/drawingml/2006/main" xmlns:r="http://schemas.openxmlformats.org/officeDocument/2006/relationships" xmlns:p="http://schemas.openxmlformats.org/presentationml/2006/main">
   <p:cSld>
     <p:spTree>
       <p:nvGrpSpPr>
@@ -5935,10 +6047,13 @@
           <a:p>
             <a:r>
               <a:rPr>
-                <a:latin typeface="Courier New"/>
+                <a:latin typeface="Courier New" panose="02070309020205020404"/>
               </a:rPr>
               <a:t> @EnableOAuth2Client</a:t>
             </a:r>
+            <a:endParaRPr>
+              <a:latin typeface="Courier New" panose="02070309020205020404"/>
+            </a:endParaRPr>
           </a:p>
           <a:p>
             <a:pPr lvl="1"/>
@@ -5953,18 +6068,24 @@
             </a:r>
             <a:r>
               <a:rPr>
-                <a:latin typeface="Courier New"/>
+                <a:latin typeface="Courier New" panose="02070309020205020404"/>
               </a:rPr>
               <a:t> &lt;client/&gt;</a:t>
             </a:r>
+            <a:endParaRPr>
+              <a:latin typeface="Courier New" panose="02070309020205020404"/>
+            </a:endParaRPr>
           </a:p>
           <a:p>
             <a:r>
               <a:rPr>
-                <a:latin typeface="Courier New"/>
+                <a:latin typeface="Courier New" panose="02070309020205020404"/>
               </a:rPr>
               <a:t> OAuth2RestTemplate</a:t>
             </a:r>
+            <a:endParaRPr>
+              <a:latin typeface="Courier New" panose="02070309020205020404"/>
+            </a:endParaRPr>
           </a:p>
           <a:p>
             <a:pPr lvl="1"/>
@@ -6004,6 +6125,11 @@
               </a:rPr>
               <a:t>Copyright © 2021 by Elephant Scale, All Rights Reserved</a:t>
             </a:r>
+            <a:endParaRPr sz="800">
+              <a:solidFill>
+                <a:srgbClr val="000000"/>
+              </a:solidFill>
+            </a:endParaRPr>
           </a:p>
         </p:txBody>
       </p:sp>
@@ -6016,7 +6142,7 @@
 </file>
 
 <file path=ppt/slides/slide37.xml><?xml version="1.0" encoding="utf-8"?>
-<p:sld xmlns:a="http://schemas.openxmlformats.org/drawingml/2006/main" xmlns:p="http://schemas.openxmlformats.org/presentationml/2006/main" xmlns:r="http://schemas.openxmlformats.org/officeDocument/2006/relationships">
+<p:sld xmlns:a="http://schemas.openxmlformats.org/drawingml/2006/main" xmlns:r="http://schemas.openxmlformats.org/officeDocument/2006/relationships" xmlns:p="http://schemas.openxmlformats.org/presentationml/2006/main">
   <p:cSld>
     <p:spTree>
       <p:nvGrpSpPr>
@@ -6076,10 +6202,13 @@
             </a:r>
             <a:r>
               <a:rPr>
-                <a:hlinkClick r:id="rId2"/>
+                <a:hlinkClick r:id="rId1"/>
               </a:rPr>
               <a:t> https://spring.io/guides/gs/securing-web/</a:t>
             </a:r>
+            <a:endParaRPr>
+              <a:hlinkClick r:id="rId1"/>
+            </a:endParaRPr>
           </a:p>
         </p:txBody>
       </p:sp>
@@ -6113,6 +6242,11 @@
               </a:rPr>
               <a:t>Copyright © 2021 by Elephant Scale, All Rights Reserved</a:t>
             </a:r>
+            <a:endParaRPr sz="800">
+              <a:solidFill>
+                <a:srgbClr val="000000"/>
+              </a:solidFill>
+            </a:endParaRPr>
           </a:p>
         </p:txBody>
       </p:sp>
@@ -6125,7 +6259,7 @@
 </file>
 
 <file path=ppt/slides/slide4.xml><?xml version="1.0" encoding="utf-8"?>
-<p:sld xmlns:a="http://schemas.openxmlformats.org/drawingml/2006/main" xmlns:p="http://schemas.openxmlformats.org/presentationml/2006/main" xmlns:r="http://schemas.openxmlformats.org/officeDocument/2006/relationships">
+<p:sld xmlns:a="http://schemas.openxmlformats.org/drawingml/2006/main" xmlns:r="http://schemas.openxmlformats.org/officeDocument/2006/relationships" xmlns:p="http://schemas.openxmlformats.org/presentationml/2006/main">
   <p:cSld>
     <p:spTree>
       <p:nvGrpSpPr>
@@ -6215,6 +6349,11 @@
               </a:rPr>
               <a:t>Copyright © 2021 by Elephant Scale, All Rights Reserved</a:t>
             </a:r>
+            <a:endParaRPr sz="800">
+              <a:solidFill>
+                <a:srgbClr val="000000"/>
+              </a:solidFill>
+            </a:endParaRPr>
           </a:p>
         </p:txBody>
       </p:sp>
@@ -6227,7 +6366,7 @@
           <p:nvPr/>
         </p:nvPicPr>
         <p:blipFill>
-          <a:blip r:embed="rId2"/>
+          <a:blip r:embed="rId1"/>
           <a:stretch>
             <a:fillRect/>
           </a:stretch>
@@ -6251,7 +6390,7 @@
 </file>
 
 <file path=ppt/slides/slide5.xml><?xml version="1.0" encoding="utf-8"?>
-<p:sld xmlns:a="http://schemas.openxmlformats.org/drawingml/2006/main" xmlns:p="http://schemas.openxmlformats.org/presentationml/2006/main" xmlns:r="http://schemas.openxmlformats.org/officeDocument/2006/relationships">
+<p:sld xmlns:a="http://schemas.openxmlformats.org/drawingml/2006/main" xmlns:r="http://schemas.openxmlformats.org/officeDocument/2006/relationships" xmlns:p="http://schemas.openxmlformats.org/presentationml/2006/main">
   <p:cSld>
     <p:spTree>
       <p:nvGrpSpPr>
@@ -6357,6 +6496,11 @@
               </a:rPr>
               <a:t>Copyright © 2021 by Elephant Scale, All Rights Reserved</a:t>
             </a:r>
+            <a:endParaRPr sz="800">
+              <a:solidFill>
+                <a:srgbClr val="000000"/>
+              </a:solidFill>
+            </a:endParaRPr>
           </a:p>
         </p:txBody>
       </p:sp>
@@ -6369,7 +6513,7 @@
 </file>
 
 <file path=ppt/slides/slide6.xml><?xml version="1.0" encoding="utf-8"?>
-<p:sld xmlns:a="http://schemas.openxmlformats.org/drawingml/2006/main" xmlns:p="http://schemas.openxmlformats.org/presentationml/2006/main" xmlns:r="http://schemas.openxmlformats.org/officeDocument/2006/relationships">
+<p:sld xmlns:a="http://schemas.openxmlformats.org/drawingml/2006/main" xmlns:r="http://schemas.openxmlformats.org/officeDocument/2006/relationships" xmlns:p="http://schemas.openxmlformats.org/presentationml/2006/main">
   <p:cSld>
     <p:spTree>
       <p:nvGrpSpPr>
@@ -6480,6 +6624,11 @@
               </a:rPr>
               <a:t>Copyright © 2021 by Elephant Scale, All Rights Reserved</a:t>
             </a:r>
+            <a:endParaRPr sz="800">
+              <a:solidFill>
+                <a:srgbClr val="000000"/>
+              </a:solidFill>
+            </a:endParaRPr>
           </a:p>
         </p:txBody>
       </p:sp>
@@ -6492,7 +6641,7 @@
 </file>
 
 <file path=ppt/slides/slide7.xml><?xml version="1.0" encoding="utf-8"?>
-<p:sld xmlns:a="http://schemas.openxmlformats.org/drawingml/2006/main" xmlns:p="http://schemas.openxmlformats.org/presentationml/2006/main" xmlns:r="http://schemas.openxmlformats.org/officeDocument/2006/relationships">
+<p:sld xmlns:a="http://schemas.openxmlformats.org/drawingml/2006/main" xmlns:r="http://schemas.openxmlformats.org/officeDocument/2006/relationships" xmlns:p="http://schemas.openxmlformats.org/presentationml/2006/main">
   <p:cSld>
     <p:spTree>
       <p:nvGrpSpPr>
@@ -6589,6 +6738,11 @@
               </a:rPr>
               <a:t>Copyright © 2021 by Elephant Scale, All Rights Reserved</a:t>
             </a:r>
+            <a:endParaRPr sz="800">
+              <a:solidFill>
+                <a:srgbClr val="000000"/>
+              </a:solidFill>
+            </a:endParaRPr>
           </a:p>
         </p:txBody>
       </p:sp>
@@ -6601,7 +6755,7 @@
           <p:nvPr/>
         </p:nvPicPr>
         <p:blipFill>
-          <a:blip r:embed="rId2"/>
+          <a:blip r:embed="rId1"/>
           <a:stretch>
             <a:fillRect/>
           </a:stretch>
@@ -6625,7 +6779,7 @@
 </file>
 
 <file path=ppt/slides/slide8.xml><?xml version="1.0" encoding="utf-8"?>
-<p:sld xmlns:a="http://schemas.openxmlformats.org/drawingml/2006/main" xmlns:p="http://schemas.openxmlformats.org/presentationml/2006/main" xmlns:r="http://schemas.openxmlformats.org/officeDocument/2006/relationships">
+<p:sld xmlns:a="http://schemas.openxmlformats.org/drawingml/2006/main" xmlns:r="http://schemas.openxmlformats.org/officeDocument/2006/relationships" xmlns:p="http://schemas.openxmlformats.org/presentationml/2006/main">
   <p:cSld>
     <p:spTree>
       <p:nvGrpSpPr>
@@ -6721,6 +6875,11 @@
               </a:rPr>
               <a:t>Copyright © 2021 by Elephant Scale, All Rights Reserved</a:t>
             </a:r>
+            <a:endParaRPr sz="800">
+              <a:solidFill>
+                <a:srgbClr val="000000"/>
+              </a:solidFill>
+            </a:endParaRPr>
           </a:p>
         </p:txBody>
       </p:sp>
@@ -6733,7 +6892,7 @@
 </file>
 
 <file path=ppt/slides/slide9.xml><?xml version="1.0" encoding="utf-8"?>
-<p:sld xmlns:a="http://schemas.openxmlformats.org/drawingml/2006/main" xmlns:p="http://schemas.openxmlformats.org/presentationml/2006/main" xmlns:r="http://schemas.openxmlformats.org/officeDocument/2006/relationships">
+<p:sld xmlns:a="http://schemas.openxmlformats.org/drawingml/2006/main" xmlns:r="http://schemas.openxmlformats.org/officeDocument/2006/relationships" xmlns:p="http://schemas.openxmlformats.org/presentationml/2006/main">
   <p:cSld>
     <p:spTree>
       <p:nvGrpSpPr>
@@ -6834,6 +6993,11 @@
               </a:rPr>
               <a:t>Copyright © 2021 by Elephant Scale, All Rights Reserved</a:t>
             </a:r>
+            <a:endParaRPr sz="800">
+              <a:solidFill>
+                <a:srgbClr val="000000"/>
+              </a:solidFill>
+            </a:endParaRPr>
           </a:p>
         </p:txBody>
       </p:sp>
@@ -7088,13 +7252,8 @@
           <a:headEnd type="none" w="med" len="med"/>
           <a:tailEnd type="none" w="med" len="med"/>
         </a:ln>
-        <a:effectLst/>
       </a:spPr>
-      <a:bodyPr vert="horz" wrap="square" lIns="91440" tIns="45720" rIns="91440" bIns="45720" numCol="1" anchor="t" anchorCtr="0" compatLnSpc="1">
-        <a:prstTxWarp prst="textNoShape">
-          <a:avLst/>
-        </a:prstTxWarp>
-      </a:bodyPr>
+      <a:bodyPr vert="horz" wrap="square" lIns="91440" tIns="45720" rIns="91440" bIns="45720" numCol="1" anchor="t" anchorCtr="0" compatLnSpc="1"/>
       <a:lstStyle>
         <a:defPPr marL="0" marR="0" indent="0" algn="ctr" defTabSz="914400" rtl="0" eaLnBrk="1" fontAlgn="base" latinLnBrk="0" hangingPunct="1">
           <a:lnSpc>
@@ -7110,7 +7269,6 @@
           <a:buSzTx/>
           <a:buFontTx/>
           <a:buNone/>
-          <a:tabLst/>
           <a:defRPr kumimoji="0" lang="en-US" sz="1000" b="0" i="0" u="none" strike="noStrike" cap="none" normalizeH="0" baseline="0">
             <a:ln>
               <a:noFill/>
@@ -7119,7 +7277,7 @@
               <a:schemeClr val="tx1"/>
             </a:solidFill>
             <a:effectLst/>
-            <a:latin typeface="Garamond" pitchFamily="-110" charset="0"/>
+            <a:latin typeface="Garamond" pitchFamily="18" charset="0"/>
           </a:defRPr>
         </a:defPPr>
       </a:lstStyle>
@@ -7150,13 +7308,8 @@
           <a:headEnd type="none" w="med" len="med"/>
           <a:tailEnd type="none" w="med" len="med"/>
         </a:ln>
-        <a:effectLst/>
       </a:spPr>
-      <a:bodyPr vert="horz" wrap="square" lIns="91440" tIns="45720" rIns="91440" bIns="45720" numCol="1" anchor="t" anchorCtr="0" compatLnSpc="1">
-        <a:prstTxWarp prst="textNoShape">
-          <a:avLst/>
-        </a:prstTxWarp>
-      </a:bodyPr>
+      <a:bodyPr vert="horz" wrap="square" lIns="91440" tIns="45720" rIns="91440" bIns="45720" numCol="1" anchor="t" anchorCtr="0" compatLnSpc="1"/>
       <a:lstStyle>
         <a:defPPr marL="0" marR="0" indent="0" algn="ctr" defTabSz="914400" rtl="0" eaLnBrk="1" fontAlgn="base" latinLnBrk="0" hangingPunct="1">
           <a:lnSpc>
@@ -7172,7 +7325,6 @@
           <a:buSzTx/>
           <a:buFontTx/>
           <a:buNone/>
-          <a:tabLst/>
           <a:defRPr kumimoji="0" lang="en-US" sz="1000" b="0" i="0" u="none" strike="noStrike" cap="none" normalizeH="0" baseline="0">
             <a:ln>
               <a:noFill/>
@@ -7181,7 +7333,7 @@
               <a:schemeClr val="tx1"/>
             </a:solidFill>
             <a:effectLst/>
-            <a:latin typeface="Garamond" pitchFamily="-110" charset="0"/>
+            <a:latin typeface="Garamond" pitchFamily="18" charset="0"/>
           </a:defRPr>
         </a:defPPr>
       </a:lstStyle>
@@ -7476,6 +7628,11 @@
       <a:clrMap bg1="dk2" tx1="lt1" bg2="dk1" tx2="lt2" accent1="accent1" accent2="accent2" accent3="accent3" accent4="accent4" accent5="accent5" accent6="accent6" hlink="hlink" folHlink="folHlink"/>
     </a:extraClrScheme>
   </a:extraClrSchemeLst>
+  <a:extLst>
+    <a:ext uri="{05A4C25C-085E-4340-85A3-A5531E510DB2}">
+      <thm15:themeFamily xmlns:thm15="http://schemas.microsoft.com/office/thememl/2012/main" name="Office Theme" id="{62F939B6-93AF-4DB8-9C6B-D6C7DFDC589F}" vid="{4A3C46E8-61CC-4603-A589-7422A47A8E4A}"/>
+    </a:ext>
+  </a:extLst>
 </a:theme>
 </file>
 
@@ -7793,7 +7950,11 @@
       </a:style>
     </a:lnDef>
   </a:objectDefaults>
-  <a:extraClrSchemeLst/>
+  <a:extLst>
+    <a:ext uri="{05A4C25C-085E-4340-85A3-A5531E510DB2}">
+      <thm15:themeFamily xmlns:thm15="http://schemas.microsoft.com/office/thememl/2012/main" name="Office Theme" id="{62F939B6-93AF-4DB8-9C6B-D6C7DFDC589F}" vid="{4A3C46E8-61CC-4603-A589-7422A47A8E4A}"/>
+    </a:ext>
+  </a:extLst>
 </a:theme>
 </file>
 
@@ -8111,6 +8272,10 @@
       </a:style>
     </a:lnDef>
   </a:objectDefaults>
-  <a:extraClrSchemeLst/>
+  <a:extLst>
+    <a:ext uri="{05A4C25C-085E-4340-85A3-A5531E510DB2}">
+      <thm15:themeFamily xmlns:thm15="http://schemas.microsoft.com/office/thememl/2012/main" name="Office Theme" id="{62F939B6-93AF-4DB8-9C6B-D6C7DFDC589F}" vid="{4A3C46E8-61CC-4603-A589-7422A47A8E4A}"/>
+    </a:ext>
+  </a:extLst>
 </a:theme>
 </file>